--- a/trunk/Deliverables/FBD - slide - GiangTTH.pptx
+++ b/trunk/Deliverables/FBD - slide - GiangTTH.pptx
@@ -2565,6 +2565,13 @@
         </dgm:presLayoutVars>
       </dgm:prSet>
       <dgm:spPr/>
+      <dgm:t>
+        <a:bodyPr/>
+        <a:lstStyle/>
+        <a:p>
+          <a:endParaRPr lang="en-US"/>
+        </a:p>
+      </dgm:t>
     </dgm:pt>
     <dgm:pt modelId="{FFFE3068-50C6-4EDA-99E6-9AB4629C6958}" type="pres">
       <dgm:prSet presAssocID="{2D14BD23-59E9-444C-84DE-6AC145DDBED5}" presName="node" presStyleLbl="node1" presStyleIdx="0" presStyleCnt="4">
@@ -2573,14 +2580,35 @@
         </dgm:presLayoutVars>
       </dgm:prSet>
       <dgm:spPr/>
+      <dgm:t>
+        <a:bodyPr/>
+        <a:lstStyle/>
+        <a:p>
+          <a:endParaRPr lang="en-US"/>
+        </a:p>
+      </dgm:t>
     </dgm:pt>
     <dgm:pt modelId="{90BB7DB9-C39E-4DD6-8775-50A957030220}" type="pres">
       <dgm:prSet presAssocID="{64487451-6D2B-47C9-8F90-68955F20B82B}" presName="sibTrans" presStyleLbl="sibTrans2D1" presStyleIdx="0" presStyleCnt="4"/>
       <dgm:spPr/>
+      <dgm:t>
+        <a:bodyPr/>
+        <a:lstStyle/>
+        <a:p>
+          <a:endParaRPr lang="en-US"/>
+        </a:p>
+      </dgm:t>
     </dgm:pt>
     <dgm:pt modelId="{DF4C5F9B-03DC-4707-9E01-AF81E2C415D8}" type="pres">
       <dgm:prSet presAssocID="{64487451-6D2B-47C9-8F90-68955F20B82B}" presName="connectorText" presStyleLbl="sibTrans2D1" presStyleIdx="0" presStyleCnt="4"/>
       <dgm:spPr/>
+      <dgm:t>
+        <a:bodyPr/>
+        <a:lstStyle/>
+        <a:p>
+          <a:endParaRPr lang="en-US"/>
+        </a:p>
+      </dgm:t>
     </dgm:pt>
     <dgm:pt modelId="{3A05E1D0-C4B3-4F1A-B40F-35DDE3458635}" type="pres">
       <dgm:prSet presAssocID="{B936D4B6-9D26-4792-AD38-0DEDFCCD2789}" presName="node" presStyleLbl="node1" presStyleIdx="1" presStyleCnt="4">
@@ -2600,10 +2628,24 @@
     <dgm:pt modelId="{2EDD0443-2E9A-4148-9416-16C56D593B70}" type="pres">
       <dgm:prSet presAssocID="{5743B987-6B24-4F09-9910-780F28D4DCAB}" presName="sibTrans" presStyleLbl="sibTrans2D1" presStyleIdx="1" presStyleCnt="4"/>
       <dgm:spPr/>
+      <dgm:t>
+        <a:bodyPr/>
+        <a:lstStyle/>
+        <a:p>
+          <a:endParaRPr lang="en-US"/>
+        </a:p>
+      </dgm:t>
     </dgm:pt>
     <dgm:pt modelId="{A2C836DB-ED95-47CD-8852-605C4A15AE22}" type="pres">
       <dgm:prSet presAssocID="{5743B987-6B24-4F09-9910-780F28D4DCAB}" presName="connectorText" presStyleLbl="sibTrans2D1" presStyleIdx="1" presStyleCnt="4"/>
       <dgm:spPr/>
+      <dgm:t>
+        <a:bodyPr/>
+        <a:lstStyle/>
+        <a:p>
+          <a:endParaRPr lang="en-US"/>
+        </a:p>
+      </dgm:t>
     </dgm:pt>
     <dgm:pt modelId="{C50F90CA-8755-452D-879C-793F6718482B}" type="pres">
       <dgm:prSet presAssocID="{5714380C-A24C-4072-8E9D-9318666DDF4E}" presName="node" presStyleLbl="node1" presStyleIdx="2" presStyleCnt="4" custScaleX="117163">
@@ -2623,10 +2665,24 @@
     <dgm:pt modelId="{B5D4E4DA-557A-4C4C-BA44-4BD2153AD12A}" type="pres">
       <dgm:prSet presAssocID="{A2B7046D-D222-48F6-AF79-CE400AAC118C}" presName="sibTrans" presStyleLbl="sibTrans2D1" presStyleIdx="2" presStyleCnt="4"/>
       <dgm:spPr/>
+      <dgm:t>
+        <a:bodyPr/>
+        <a:lstStyle/>
+        <a:p>
+          <a:endParaRPr lang="en-US"/>
+        </a:p>
+      </dgm:t>
     </dgm:pt>
     <dgm:pt modelId="{C0916B5E-9B74-4CCF-8435-45EC5E8D02AB}" type="pres">
       <dgm:prSet presAssocID="{A2B7046D-D222-48F6-AF79-CE400AAC118C}" presName="connectorText" presStyleLbl="sibTrans2D1" presStyleIdx="2" presStyleCnt="4"/>
       <dgm:spPr/>
+      <dgm:t>
+        <a:bodyPr/>
+        <a:lstStyle/>
+        <a:p>
+          <a:endParaRPr lang="en-US"/>
+        </a:p>
+      </dgm:t>
     </dgm:pt>
     <dgm:pt modelId="{28597065-8685-4AB3-A908-4DDB750E2A2B}" type="pres">
       <dgm:prSet presAssocID="{150A045B-F04E-4E0A-BE8C-282FCDEDCC3B}" presName="node" presStyleLbl="node1" presStyleIdx="3" presStyleCnt="4">
@@ -2646,30 +2702,44 @@
     <dgm:pt modelId="{32BF7593-8EED-43A1-9306-25F0C8C52647}" type="pres">
       <dgm:prSet presAssocID="{0516AA4F-66F8-45E4-93DD-FEE05C374243}" presName="sibTrans" presStyleLbl="sibTrans2D1" presStyleIdx="3" presStyleCnt="4"/>
       <dgm:spPr/>
+      <dgm:t>
+        <a:bodyPr/>
+        <a:lstStyle/>
+        <a:p>
+          <a:endParaRPr lang="en-US"/>
+        </a:p>
+      </dgm:t>
     </dgm:pt>
     <dgm:pt modelId="{895C4322-4F3D-4B3B-BEEA-744D943CB2DB}" type="pres">
       <dgm:prSet presAssocID="{0516AA4F-66F8-45E4-93DD-FEE05C374243}" presName="connectorText" presStyleLbl="sibTrans2D1" presStyleIdx="3" presStyleCnt="4"/>
       <dgm:spPr/>
+      <dgm:t>
+        <a:bodyPr/>
+        <a:lstStyle/>
+        <a:p>
+          <a:endParaRPr lang="en-US"/>
+        </a:p>
+      </dgm:t>
     </dgm:pt>
   </dgm:ptLst>
   <dgm:cxnLst>
     <dgm:cxn modelId="{87AE30DE-A902-424D-8749-24ECE84BEB46}" type="presOf" srcId="{B936D4B6-9D26-4792-AD38-0DEDFCCD2789}" destId="{3A05E1D0-C4B3-4F1A-B40F-35DDE3458635}" srcOrd="0" destOrd="0" presId="urn:microsoft.com/office/officeart/2005/8/layout/cycle2"/>
+    <dgm:cxn modelId="{97D148DA-3282-44B4-98A7-26B10E6E1633}" type="presOf" srcId="{64487451-6D2B-47C9-8F90-68955F20B82B}" destId="{90BB7DB9-C39E-4DD6-8775-50A957030220}" srcOrd="0" destOrd="0" presId="urn:microsoft.com/office/officeart/2005/8/layout/cycle2"/>
+    <dgm:cxn modelId="{89E66931-6EBA-42CD-83B1-1DCDEC52B450}" srcId="{C635D73A-9697-4AD9-BCEE-61058674AD88}" destId="{5714380C-A24C-4072-8E9D-9318666DDF4E}" srcOrd="2" destOrd="0" parTransId="{348AB9C9-E875-4768-A092-0C01925FFAB3}" sibTransId="{A2B7046D-D222-48F6-AF79-CE400AAC118C}"/>
+    <dgm:cxn modelId="{53FE79F5-D2DB-4F0A-9C80-D554E7FE5965}" type="presOf" srcId="{0516AA4F-66F8-45E4-93DD-FEE05C374243}" destId="{32BF7593-8EED-43A1-9306-25F0C8C52647}" srcOrd="0" destOrd="0" presId="urn:microsoft.com/office/officeart/2005/8/layout/cycle2"/>
+    <dgm:cxn modelId="{B5A0369C-6AA8-41A6-A4FF-264B764EA802}" type="presOf" srcId="{5714380C-A24C-4072-8E9D-9318666DDF4E}" destId="{C50F90CA-8755-452D-879C-793F6718482B}" srcOrd="0" destOrd="0" presId="urn:microsoft.com/office/officeart/2005/8/layout/cycle2"/>
+    <dgm:cxn modelId="{FFF85218-2E2F-4DF9-B7C3-A3AFB81A9C80}" type="presOf" srcId="{A2B7046D-D222-48F6-AF79-CE400AAC118C}" destId="{B5D4E4DA-557A-4C4C-BA44-4BD2153AD12A}" srcOrd="0" destOrd="0" presId="urn:microsoft.com/office/officeart/2005/8/layout/cycle2"/>
+    <dgm:cxn modelId="{9C82D40C-7716-48AC-8229-C5B099C1F06C}" srcId="{C635D73A-9697-4AD9-BCEE-61058674AD88}" destId="{B936D4B6-9D26-4792-AD38-0DEDFCCD2789}" srcOrd="1" destOrd="0" parTransId="{7045F17E-1ADB-4FAE-B409-BF69D681D163}" sibTransId="{5743B987-6B24-4F09-9910-780F28D4DCAB}"/>
+    <dgm:cxn modelId="{2A144C83-EC47-488A-BE7C-FCCD9E9C05E8}" type="presOf" srcId="{5743B987-6B24-4F09-9910-780F28D4DCAB}" destId="{A2C836DB-ED95-47CD-8852-605C4A15AE22}" srcOrd="1" destOrd="0" presId="urn:microsoft.com/office/officeart/2005/8/layout/cycle2"/>
+    <dgm:cxn modelId="{8CDA2280-7E4E-47DA-87FD-F2AB512FA2B3}" srcId="{C635D73A-9697-4AD9-BCEE-61058674AD88}" destId="{2D14BD23-59E9-444C-84DE-6AC145DDBED5}" srcOrd="0" destOrd="0" parTransId="{8A7FB267-FCCB-49E7-A0EC-CE9739954138}" sibTransId="{64487451-6D2B-47C9-8F90-68955F20B82B}"/>
     <dgm:cxn modelId="{13DAC502-803B-41B3-A8C0-C7FFBFF2FCAE}" type="presOf" srcId="{2D14BD23-59E9-444C-84DE-6AC145DDBED5}" destId="{FFFE3068-50C6-4EDA-99E6-9AB4629C6958}" srcOrd="0" destOrd="0" presId="urn:microsoft.com/office/officeart/2005/8/layout/cycle2"/>
-    <dgm:cxn modelId="{89E66931-6EBA-42CD-83B1-1DCDEC52B450}" srcId="{C635D73A-9697-4AD9-BCEE-61058674AD88}" destId="{5714380C-A24C-4072-8E9D-9318666DDF4E}" srcOrd="2" destOrd="0" parTransId="{348AB9C9-E875-4768-A092-0C01925FFAB3}" sibTransId="{A2B7046D-D222-48F6-AF79-CE400AAC118C}"/>
+    <dgm:cxn modelId="{D03CD06D-8091-4C97-9AB2-3AF83A972ADC}" type="presOf" srcId="{64487451-6D2B-47C9-8F90-68955F20B82B}" destId="{DF4C5F9B-03DC-4707-9E01-AF81E2C415D8}" srcOrd="1" destOrd="0" presId="urn:microsoft.com/office/officeart/2005/8/layout/cycle2"/>
+    <dgm:cxn modelId="{08AA23B4-5847-4651-9365-99F882D69D3F}" type="presOf" srcId="{A2B7046D-D222-48F6-AF79-CE400AAC118C}" destId="{C0916B5E-9B74-4CCF-8435-45EC5E8D02AB}" srcOrd="1" destOrd="0" presId="urn:microsoft.com/office/officeart/2005/8/layout/cycle2"/>
+    <dgm:cxn modelId="{A59F4CE6-79F2-4B88-8CDB-E875D08EE5B3}" srcId="{C635D73A-9697-4AD9-BCEE-61058674AD88}" destId="{150A045B-F04E-4E0A-BE8C-282FCDEDCC3B}" srcOrd="3" destOrd="0" parTransId="{B58799DD-275E-42F2-8145-936AF3D76289}" sibTransId="{0516AA4F-66F8-45E4-93DD-FEE05C374243}"/>
+    <dgm:cxn modelId="{9215873D-7720-4D15-B07F-06D565EDDED6}" type="presOf" srcId="{150A045B-F04E-4E0A-BE8C-282FCDEDCC3B}" destId="{28597065-8685-4AB3-A908-4DDB750E2A2B}" srcOrd="0" destOrd="0" presId="urn:microsoft.com/office/officeart/2005/8/layout/cycle2"/>
+    <dgm:cxn modelId="{2BD0806D-79A8-4D7A-9282-58FDA160BDFE}" type="presOf" srcId="{C635D73A-9697-4AD9-BCEE-61058674AD88}" destId="{5197BC63-0B22-4A7E-A9CD-A2D5EEF3ED96}" srcOrd="0" destOrd="0" presId="urn:microsoft.com/office/officeart/2005/8/layout/cycle2"/>
     <dgm:cxn modelId="{6588DC65-A1B0-4C90-A7E2-D8E2D6F53CF1}" type="presOf" srcId="{0516AA4F-66F8-45E4-93DD-FEE05C374243}" destId="{895C4322-4F3D-4B3B-BEEA-744D943CB2DB}" srcOrd="1" destOrd="0" presId="urn:microsoft.com/office/officeart/2005/8/layout/cycle2"/>
-    <dgm:cxn modelId="{A59F4CE6-79F2-4B88-8CDB-E875D08EE5B3}" srcId="{C635D73A-9697-4AD9-BCEE-61058674AD88}" destId="{150A045B-F04E-4E0A-BE8C-282FCDEDCC3B}" srcOrd="3" destOrd="0" parTransId="{B58799DD-275E-42F2-8145-936AF3D76289}" sibTransId="{0516AA4F-66F8-45E4-93DD-FEE05C374243}"/>
-    <dgm:cxn modelId="{53FE79F5-D2DB-4F0A-9C80-D554E7FE5965}" type="presOf" srcId="{0516AA4F-66F8-45E4-93DD-FEE05C374243}" destId="{32BF7593-8EED-43A1-9306-25F0C8C52647}" srcOrd="0" destOrd="0" presId="urn:microsoft.com/office/officeart/2005/8/layout/cycle2"/>
-    <dgm:cxn modelId="{97D148DA-3282-44B4-98A7-26B10E6E1633}" type="presOf" srcId="{64487451-6D2B-47C9-8F90-68955F20B82B}" destId="{90BB7DB9-C39E-4DD6-8775-50A957030220}" srcOrd="0" destOrd="0" presId="urn:microsoft.com/office/officeart/2005/8/layout/cycle2"/>
-    <dgm:cxn modelId="{9215873D-7720-4D15-B07F-06D565EDDED6}" type="presOf" srcId="{150A045B-F04E-4E0A-BE8C-282FCDEDCC3B}" destId="{28597065-8685-4AB3-A908-4DDB750E2A2B}" srcOrd="0" destOrd="0" presId="urn:microsoft.com/office/officeart/2005/8/layout/cycle2"/>
-    <dgm:cxn modelId="{08AA23B4-5847-4651-9365-99F882D69D3F}" type="presOf" srcId="{A2B7046D-D222-48F6-AF79-CE400AAC118C}" destId="{C0916B5E-9B74-4CCF-8435-45EC5E8D02AB}" srcOrd="1" destOrd="0" presId="urn:microsoft.com/office/officeart/2005/8/layout/cycle2"/>
-    <dgm:cxn modelId="{8CDA2280-7E4E-47DA-87FD-F2AB512FA2B3}" srcId="{C635D73A-9697-4AD9-BCEE-61058674AD88}" destId="{2D14BD23-59E9-444C-84DE-6AC145DDBED5}" srcOrd="0" destOrd="0" parTransId="{8A7FB267-FCCB-49E7-A0EC-CE9739954138}" sibTransId="{64487451-6D2B-47C9-8F90-68955F20B82B}"/>
     <dgm:cxn modelId="{7C7DC81F-1B00-4514-81FB-393FA3CDA6D8}" type="presOf" srcId="{5743B987-6B24-4F09-9910-780F28D4DCAB}" destId="{2EDD0443-2E9A-4148-9416-16C56D593B70}" srcOrd="0" destOrd="0" presId="urn:microsoft.com/office/officeart/2005/8/layout/cycle2"/>
-    <dgm:cxn modelId="{B5A0369C-6AA8-41A6-A4FF-264B764EA802}" type="presOf" srcId="{5714380C-A24C-4072-8E9D-9318666DDF4E}" destId="{C50F90CA-8755-452D-879C-793F6718482B}" srcOrd="0" destOrd="0" presId="urn:microsoft.com/office/officeart/2005/8/layout/cycle2"/>
-    <dgm:cxn modelId="{D03CD06D-8091-4C97-9AB2-3AF83A972ADC}" type="presOf" srcId="{64487451-6D2B-47C9-8F90-68955F20B82B}" destId="{DF4C5F9B-03DC-4707-9E01-AF81E2C415D8}" srcOrd="1" destOrd="0" presId="urn:microsoft.com/office/officeart/2005/8/layout/cycle2"/>
-    <dgm:cxn modelId="{2A144C83-EC47-488A-BE7C-FCCD9E9C05E8}" type="presOf" srcId="{5743B987-6B24-4F09-9910-780F28D4DCAB}" destId="{A2C836DB-ED95-47CD-8852-605C4A15AE22}" srcOrd="1" destOrd="0" presId="urn:microsoft.com/office/officeart/2005/8/layout/cycle2"/>
-    <dgm:cxn modelId="{9C82D40C-7716-48AC-8229-C5B099C1F06C}" srcId="{C635D73A-9697-4AD9-BCEE-61058674AD88}" destId="{B936D4B6-9D26-4792-AD38-0DEDFCCD2789}" srcOrd="1" destOrd="0" parTransId="{7045F17E-1ADB-4FAE-B409-BF69D681D163}" sibTransId="{5743B987-6B24-4F09-9910-780F28D4DCAB}"/>
-    <dgm:cxn modelId="{FFF85218-2E2F-4DF9-B7C3-A3AFB81A9C80}" type="presOf" srcId="{A2B7046D-D222-48F6-AF79-CE400AAC118C}" destId="{B5D4E4DA-557A-4C4C-BA44-4BD2153AD12A}" srcOrd="0" destOrd="0" presId="urn:microsoft.com/office/officeart/2005/8/layout/cycle2"/>
-    <dgm:cxn modelId="{2BD0806D-79A8-4D7A-9282-58FDA160BDFE}" type="presOf" srcId="{C635D73A-9697-4AD9-BCEE-61058674AD88}" destId="{5197BC63-0B22-4A7E-A9CD-A2D5EEF3ED96}" srcOrd="0" destOrd="0" presId="urn:microsoft.com/office/officeart/2005/8/layout/cycle2"/>
     <dgm:cxn modelId="{96823C87-4D3B-4DCC-829F-D51938EEEAD3}" type="presParOf" srcId="{5197BC63-0B22-4A7E-A9CD-A2D5EEF3ED96}" destId="{FFFE3068-50C6-4EDA-99E6-9AB4629C6958}" srcOrd="0" destOrd="0" presId="urn:microsoft.com/office/officeart/2005/8/layout/cycle2"/>
     <dgm:cxn modelId="{D5B6D94B-B2B3-4DBC-B633-27393F0A3339}" type="presParOf" srcId="{5197BC63-0B22-4A7E-A9CD-A2D5EEF3ED96}" destId="{90BB7DB9-C39E-4DD6-8775-50A957030220}" srcOrd="1" destOrd="0" presId="urn:microsoft.com/office/officeart/2005/8/layout/cycle2"/>
     <dgm:cxn modelId="{4761B54B-5EEA-4BAF-BAF2-F6F2F2EB7A2A}" type="presParOf" srcId="{90BB7DB9-C39E-4DD6-8775-50A957030220}" destId="{DF4C5F9B-03DC-4707-9E01-AF81E2C415D8}" srcOrd="0" destOrd="0" presId="urn:microsoft.com/office/officeart/2005/8/layout/cycle2"/>
@@ -2685,6 +2755,11 @@
   </dgm:cxnLst>
   <dgm:bg/>
   <dgm:whole/>
+  <dgm:extLst>
+    <a:ext uri="http://schemas.microsoft.com/office/drawing/2008/diagram">
+      <dsp:dataModelExt xmlns:dsp="http://schemas.microsoft.com/office/drawing/2008/diagram" relId="rId7" minVer="http://schemas.openxmlformats.org/drawingml/2006/diagram"/>
+    </a:ext>
+  </dgm:extLst>
 </dgm:dataModel>
 </file>
 
@@ -2899,6 +2974,13 @@
         </dgm:presLayoutVars>
       </dgm:prSet>
       <dgm:spPr/>
+      <dgm:t>
+        <a:bodyPr/>
+        <a:lstStyle/>
+        <a:p>
+          <a:endParaRPr lang="en-US"/>
+        </a:p>
+      </dgm:t>
     </dgm:pt>
     <dgm:pt modelId="{CA9D7CE3-1A9C-4FE7-A38B-A1FD82311842}" type="pres">
       <dgm:prSet presAssocID="{0DE83DF4-C279-4288-9C50-2E2974C2F12E}" presName="node" presStyleLbl="node1" presStyleIdx="0" presStyleCnt="5">
@@ -2907,14 +2989,35 @@
         </dgm:presLayoutVars>
       </dgm:prSet>
       <dgm:spPr/>
+      <dgm:t>
+        <a:bodyPr/>
+        <a:lstStyle/>
+        <a:p>
+          <a:endParaRPr lang="en-US"/>
+        </a:p>
+      </dgm:t>
     </dgm:pt>
     <dgm:pt modelId="{BECFC45D-12F8-40D5-A04B-94CE8A5EE986}" type="pres">
       <dgm:prSet presAssocID="{0E992138-CE74-4149-9DE6-85CE561EB28E}" presName="sibTrans" presStyleLbl="sibTrans2D1" presStyleIdx="0" presStyleCnt="4"/>
       <dgm:spPr/>
+      <dgm:t>
+        <a:bodyPr/>
+        <a:lstStyle/>
+        <a:p>
+          <a:endParaRPr lang="en-US"/>
+        </a:p>
+      </dgm:t>
     </dgm:pt>
     <dgm:pt modelId="{2027CFEE-CDCB-4A58-AA3B-59B1A3861792}" type="pres">
       <dgm:prSet presAssocID="{0E992138-CE74-4149-9DE6-85CE561EB28E}" presName="connectorText" presStyleLbl="sibTrans2D1" presStyleIdx="0" presStyleCnt="4"/>
       <dgm:spPr/>
+      <dgm:t>
+        <a:bodyPr/>
+        <a:lstStyle/>
+        <a:p>
+          <a:endParaRPr lang="en-US"/>
+        </a:p>
+      </dgm:t>
     </dgm:pt>
     <dgm:pt modelId="{4D2C8C85-236F-45AC-995F-86C88C43465B}" type="pres">
       <dgm:prSet presAssocID="{3BEB5732-EBD6-4EC7-BEB9-210BA19D0318}" presName="node" presStyleLbl="node1" presStyleIdx="1" presStyleCnt="5">
@@ -2934,10 +3037,24 @@
     <dgm:pt modelId="{40FC0476-7B7A-412F-AE38-B3715BA04471}" type="pres">
       <dgm:prSet presAssocID="{75C2D920-135B-451C-B52D-18F3D79B2AF8}" presName="sibTrans" presStyleLbl="sibTrans2D1" presStyleIdx="1" presStyleCnt="4"/>
       <dgm:spPr/>
+      <dgm:t>
+        <a:bodyPr/>
+        <a:lstStyle/>
+        <a:p>
+          <a:endParaRPr lang="en-US"/>
+        </a:p>
+      </dgm:t>
     </dgm:pt>
     <dgm:pt modelId="{F683D09D-456D-4D9F-BD19-35731D2715A1}" type="pres">
       <dgm:prSet presAssocID="{75C2D920-135B-451C-B52D-18F3D79B2AF8}" presName="connectorText" presStyleLbl="sibTrans2D1" presStyleIdx="1" presStyleCnt="4"/>
       <dgm:spPr/>
+      <dgm:t>
+        <a:bodyPr/>
+        <a:lstStyle/>
+        <a:p>
+          <a:endParaRPr lang="en-US"/>
+        </a:p>
+      </dgm:t>
     </dgm:pt>
     <dgm:pt modelId="{6DC1FF4B-5A22-4D24-9EFF-CF43804BE00B}" type="pres">
       <dgm:prSet presAssocID="{E75E4D35-7ECE-4EDE-90BE-CA198F51AC05}" presName="node" presStyleLbl="node1" presStyleIdx="2" presStyleCnt="5">
@@ -2957,10 +3074,24 @@
     <dgm:pt modelId="{9636550B-5EE2-4AF9-9492-F5239D8A4125}" type="pres">
       <dgm:prSet presAssocID="{46F37DE3-ECAF-420D-8707-28D1D8704565}" presName="sibTrans" presStyleLbl="sibTrans2D1" presStyleIdx="2" presStyleCnt="4"/>
       <dgm:spPr/>
+      <dgm:t>
+        <a:bodyPr/>
+        <a:lstStyle/>
+        <a:p>
+          <a:endParaRPr lang="en-US"/>
+        </a:p>
+      </dgm:t>
     </dgm:pt>
     <dgm:pt modelId="{FD4BD8C7-7C25-4DF0-8485-B9B937AC27ED}" type="pres">
       <dgm:prSet presAssocID="{46F37DE3-ECAF-420D-8707-28D1D8704565}" presName="connectorText" presStyleLbl="sibTrans2D1" presStyleIdx="2" presStyleCnt="4"/>
       <dgm:spPr/>
+      <dgm:t>
+        <a:bodyPr/>
+        <a:lstStyle/>
+        <a:p>
+          <a:endParaRPr lang="en-US"/>
+        </a:p>
+      </dgm:t>
     </dgm:pt>
     <dgm:pt modelId="{79356E57-ACBD-4BF9-A9A3-42A48D825A59}" type="pres">
       <dgm:prSet presAssocID="{320801EC-4793-4439-AF56-0E69C8F4BC21}" presName="node" presStyleLbl="node1" presStyleIdx="3" presStyleCnt="5">
@@ -2980,10 +3111,24 @@
     <dgm:pt modelId="{5A431EEB-B083-4850-B0BA-F5C9C2DA2E0F}" type="pres">
       <dgm:prSet presAssocID="{5EB830C5-9E0D-4233-B880-69CF794B7888}" presName="sibTrans" presStyleLbl="sibTrans2D1" presStyleIdx="3" presStyleCnt="4"/>
       <dgm:spPr/>
+      <dgm:t>
+        <a:bodyPr/>
+        <a:lstStyle/>
+        <a:p>
+          <a:endParaRPr lang="en-US"/>
+        </a:p>
+      </dgm:t>
     </dgm:pt>
     <dgm:pt modelId="{40F41A8B-AC36-4F9D-BF80-2754E24B3B9B}" type="pres">
       <dgm:prSet presAssocID="{5EB830C5-9E0D-4233-B880-69CF794B7888}" presName="connectorText" presStyleLbl="sibTrans2D1" presStyleIdx="3" presStyleCnt="4"/>
       <dgm:spPr/>
+      <dgm:t>
+        <a:bodyPr/>
+        <a:lstStyle/>
+        <a:p>
+          <a:endParaRPr lang="en-US"/>
+        </a:p>
+      </dgm:t>
     </dgm:pt>
     <dgm:pt modelId="{180049ED-7022-4118-A85C-2B8107758BF1}" type="pres">
       <dgm:prSet presAssocID="{48BC7AE1-6640-4CF0-8101-8B27CE503142}" presName="node" presStyleLbl="node1" presStyleIdx="4" presStyleCnt="5">
@@ -3002,25 +3147,25 @@
     </dgm:pt>
   </dgm:ptLst>
   <dgm:cxnLst>
+    <dgm:cxn modelId="{810548D4-2E7F-4924-9C11-F3AD25DB86E1}" type="presOf" srcId="{5EB830C5-9E0D-4233-B880-69CF794B7888}" destId="{40F41A8B-AC36-4F9D-BF80-2754E24B3B9B}" srcOrd="1" destOrd="0" presId="urn:microsoft.com/office/officeart/2005/8/layout/process5"/>
+    <dgm:cxn modelId="{5E2A5404-7609-437E-9DE5-1B849E41237D}" type="presOf" srcId="{75C2D920-135B-451C-B52D-18F3D79B2AF8}" destId="{40FC0476-7B7A-412F-AE38-B3715BA04471}" srcOrd="0" destOrd="0" presId="urn:microsoft.com/office/officeart/2005/8/layout/process5"/>
+    <dgm:cxn modelId="{8996ABE2-2ADE-42A6-828C-31636480374D}" srcId="{C5DA818B-11CE-4C9C-8E2A-33C664145CD1}" destId="{3BEB5732-EBD6-4EC7-BEB9-210BA19D0318}" srcOrd="1" destOrd="0" parTransId="{C9A058A6-8861-4495-A705-D808D6BFCBD1}" sibTransId="{75C2D920-135B-451C-B52D-18F3D79B2AF8}"/>
+    <dgm:cxn modelId="{F4D8DD92-CB4E-421E-B5F4-4CBC7080747F}" type="presOf" srcId="{48BC7AE1-6640-4CF0-8101-8B27CE503142}" destId="{180049ED-7022-4118-A85C-2B8107758BF1}" srcOrd="0" destOrd="0" presId="urn:microsoft.com/office/officeart/2005/8/layout/process5"/>
+    <dgm:cxn modelId="{D8ADF12D-D53B-4FEA-8413-0E0AD72E4694}" type="presOf" srcId="{3BEB5732-EBD6-4EC7-BEB9-210BA19D0318}" destId="{4D2C8C85-236F-45AC-995F-86C88C43465B}" srcOrd="0" destOrd="0" presId="urn:microsoft.com/office/officeart/2005/8/layout/process5"/>
+    <dgm:cxn modelId="{20BD5BD7-88DB-4655-8AA1-9971BD3B2045}" type="presOf" srcId="{5EB830C5-9E0D-4233-B880-69CF794B7888}" destId="{5A431EEB-B083-4850-B0BA-F5C9C2DA2E0F}" srcOrd="0" destOrd="0" presId="urn:microsoft.com/office/officeart/2005/8/layout/process5"/>
+    <dgm:cxn modelId="{D7B31731-8B01-4D36-B8D0-AD421B3667D4}" srcId="{C5DA818B-11CE-4C9C-8E2A-33C664145CD1}" destId="{0DE83DF4-C279-4288-9C50-2E2974C2F12E}" srcOrd="0" destOrd="0" parTransId="{4A533C2F-0F77-4EB7-9A0B-9F4B36F97293}" sibTransId="{0E992138-CE74-4149-9DE6-85CE561EB28E}"/>
     <dgm:cxn modelId="{736B39AE-F228-418D-B084-FBE401723472}" type="presOf" srcId="{46F37DE3-ECAF-420D-8707-28D1D8704565}" destId="{FD4BD8C7-7C25-4DF0-8485-B9B937AC27ED}" srcOrd="1" destOrd="0" presId="urn:microsoft.com/office/officeart/2005/8/layout/process5"/>
-    <dgm:cxn modelId="{D8ADF12D-D53B-4FEA-8413-0E0AD72E4694}" type="presOf" srcId="{3BEB5732-EBD6-4EC7-BEB9-210BA19D0318}" destId="{4D2C8C85-236F-45AC-995F-86C88C43465B}" srcOrd="0" destOrd="0" presId="urn:microsoft.com/office/officeart/2005/8/layout/process5"/>
+    <dgm:cxn modelId="{9B3C8E5F-0E44-41EF-9B5A-A90A61119A92}" srcId="{C5DA818B-11CE-4C9C-8E2A-33C664145CD1}" destId="{48BC7AE1-6640-4CF0-8101-8B27CE503142}" srcOrd="4" destOrd="0" parTransId="{D1B82C1D-8D3F-4096-A45C-863C46D2584B}" sibTransId="{F67E0E82-4937-43A7-96D5-3A127E39D829}"/>
+    <dgm:cxn modelId="{56121C88-5937-450C-8967-FD26E4FB6CAA}" type="presOf" srcId="{0E992138-CE74-4149-9DE6-85CE561EB28E}" destId="{BECFC45D-12F8-40D5-A04B-94CE8A5EE986}" srcOrd="0" destOrd="0" presId="urn:microsoft.com/office/officeart/2005/8/layout/process5"/>
     <dgm:cxn modelId="{32737ADC-DEA9-4EFD-B5FE-EC9B8F925CD5}" type="presOf" srcId="{320801EC-4793-4439-AF56-0E69C8F4BC21}" destId="{79356E57-ACBD-4BF9-A9A3-42A48D825A59}" srcOrd="0" destOrd="0" presId="urn:microsoft.com/office/officeart/2005/8/layout/process5"/>
+    <dgm:cxn modelId="{8FC1A446-8430-4E6B-826B-A5DFAFA09343}" type="presOf" srcId="{E75E4D35-7ECE-4EDE-90BE-CA198F51AC05}" destId="{6DC1FF4B-5A22-4D24-9EFF-CF43804BE00B}" srcOrd="0" destOrd="0" presId="urn:microsoft.com/office/officeart/2005/8/layout/process5"/>
+    <dgm:cxn modelId="{C1D48213-08F7-4122-AC97-E107BB842A12}" srcId="{C5DA818B-11CE-4C9C-8E2A-33C664145CD1}" destId="{E75E4D35-7ECE-4EDE-90BE-CA198F51AC05}" srcOrd="2" destOrd="0" parTransId="{C71F12E3-B1C0-4258-8341-7E78DD53614C}" sibTransId="{46F37DE3-ECAF-420D-8707-28D1D8704565}"/>
+    <dgm:cxn modelId="{915FBD00-DA82-4479-BFCF-7493D70252AB}" type="presOf" srcId="{C5DA818B-11CE-4C9C-8E2A-33C664145CD1}" destId="{22BFAACF-342F-407C-8312-43E2D86A86B3}" srcOrd="0" destOrd="0" presId="urn:microsoft.com/office/officeart/2005/8/layout/process5"/>
+    <dgm:cxn modelId="{DA565A3C-8000-4901-A859-9A370032AA6C}" type="presOf" srcId="{0DE83DF4-C279-4288-9C50-2E2974C2F12E}" destId="{CA9D7CE3-1A9C-4FE7-A38B-A1FD82311842}" srcOrd="0" destOrd="0" presId="urn:microsoft.com/office/officeart/2005/8/layout/process5"/>
     <dgm:cxn modelId="{31DF79BC-0ABA-4A84-A29A-77C6703E74B0}" srcId="{C5DA818B-11CE-4C9C-8E2A-33C664145CD1}" destId="{320801EC-4793-4439-AF56-0E69C8F4BC21}" srcOrd="3" destOrd="0" parTransId="{E3D6CC1C-FAAC-4E76-862E-7120FE682DDE}" sibTransId="{5EB830C5-9E0D-4233-B880-69CF794B7888}"/>
-    <dgm:cxn modelId="{DA565A3C-8000-4901-A859-9A370032AA6C}" type="presOf" srcId="{0DE83DF4-C279-4288-9C50-2E2974C2F12E}" destId="{CA9D7CE3-1A9C-4FE7-A38B-A1FD82311842}" srcOrd="0" destOrd="0" presId="urn:microsoft.com/office/officeart/2005/8/layout/process5"/>
-    <dgm:cxn modelId="{8FC1A446-8430-4E6B-826B-A5DFAFA09343}" type="presOf" srcId="{E75E4D35-7ECE-4EDE-90BE-CA198F51AC05}" destId="{6DC1FF4B-5A22-4D24-9EFF-CF43804BE00B}" srcOrd="0" destOrd="0" presId="urn:microsoft.com/office/officeart/2005/8/layout/process5"/>
-    <dgm:cxn modelId="{810548D4-2E7F-4924-9C11-F3AD25DB86E1}" type="presOf" srcId="{5EB830C5-9E0D-4233-B880-69CF794B7888}" destId="{40F41A8B-AC36-4F9D-BF80-2754E24B3B9B}" srcOrd="1" destOrd="0" presId="urn:microsoft.com/office/officeart/2005/8/layout/process5"/>
-    <dgm:cxn modelId="{D7B31731-8B01-4D36-B8D0-AD421B3667D4}" srcId="{C5DA818B-11CE-4C9C-8E2A-33C664145CD1}" destId="{0DE83DF4-C279-4288-9C50-2E2974C2F12E}" srcOrd="0" destOrd="0" parTransId="{4A533C2F-0F77-4EB7-9A0B-9F4B36F97293}" sibTransId="{0E992138-CE74-4149-9DE6-85CE561EB28E}"/>
+    <dgm:cxn modelId="{EF197214-E46C-4643-BD30-4CCC65F07179}" type="presOf" srcId="{46F37DE3-ECAF-420D-8707-28D1D8704565}" destId="{9636550B-5EE2-4AF9-9492-F5239D8A4125}" srcOrd="0" destOrd="0" presId="urn:microsoft.com/office/officeart/2005/8/layout/process5"/>
+    <dgm:cxn modelId="{B1C974D1-0DB7-4706-9EEF-404EC6132CBE}" type="presOf" srcId="{75C2D920-135B-451C-B52D-18F3D79B2AF8}" destId="{F683D09D-456D-4D9F-BD19-35731D2715A1}" srcOrd="1" destOrd="0" presId="urn:microsoft.com/office/officeart/2005/8/layout/process5"/>
     <dgm:cxn modelId="{DEAEA6C6-40FE-4713-91EA-5D412432C6B8}" type="presOf" srcId="{0E992138-CE74-4149-9DE6-85CE561EB28E}" destId="{2027CFEE-CDCB-4A58-AA3B-59B1A3861792}" srcOrd="1" destOrd="0" presId="urn:microsoft.com/office/officeart/2005/8/layout/process5"/>
-    <dgm:cxn modelId="{915FBD00-DA82-4479-BFCF-7493D70252AB}" type="presOf" srcId="{C5DA818B-11CE-4C9C-8E2A-33C664145CD1}" destId="{22BFAACF-342F-407C-8312-43E2D86A86B3}" srcOrd="0" destOrd="0" presId="urn:microsoft.com/office/officeart/2005/8/layout/process5"/>
-    <dgm:cxn modelId="{F4D8DD92-CB4E-421E-B5F4-4CBC7080747F}" type="presOf" srcId="{48BC7AE1-6640-4CF0-8101-8B27CE503142}" destId="{180049ED-7022-4118-A85C-2B8107758BF1}" srcOrd="0" destOrd="0" presId="urn:microsoft.com/office/officeart/2005/8/layout/process5"/>
-    <dgm:cxn modelId="{8996ABE2-2ADE-42A6-828C-31636480374D}" srcId="{C5DA818B-11CE-4C9C-8E2A-33C664145CD1}" destId="{3BEB5732-EBD6-4EC7-BEB9-210BA19D0318}" srcOrd="1" destOrd="0" parTransId="{C9A058A6-8861-4495-A705-D808D6BFCBD1}" sibTransId="{75C2D920-135B-451C-B52D-18F3D79B2AF8}"/>
-    <dgm:cxn modelId="{EF197214-E46C-4643-BD30-4CCC65F07179}" type="presOf" srcId="{46F37DE3-ECAF-420D-8707-28D1D8704565}" destId="{9636550B-5EE2-4AF9-9492-F5239D8A4125}" srcOrd="0" destOrd="0" presId="urn:microsoft.com/office/officeart/2005/8/layout/process5"/>
-    <dgm:cxn modelId="{C1D48213-08F7-4122-AC97-E107BB842A12}" srcId="{C5DA818B-11CE-4C9C-8E2A-33C664145CD1}" destId="{E75E4D35-7ECE-4EDE-90BE-CA198F51AC05}" srcOrd="2" destOrd="0" parTransId="{C71F12E3-B1C0-4258-8341-7E78DD53614C}" sibTransId="{46F37DE3-ECAF-420D-8707-28D1D8704565}"/>
-    <dgm:cxn modelId="{56121C88-5937-450C-8967-FD26E4FB6CAA}" type="presOf" srcId="{0E992138-CE74-4149-9DE6-85CE561EB28E}" destId="{BECFC45D-12F8-40D5-A04B-94CE8A5EE986}" srcOrd="0" destOrd="0" presId="urn:microsoft.com/office/officeart/2005/8/layout/process5"/>
-    <dgm:cxn modelId="{B1C974D1-0DB7-4706-9EEF-404EC6132CBE}" type="presOf" srcId="{75C2D920-135B-451C-B52D-18F3D79B2AF8}" destId="{F683D09D-456D-4D9F-BD19-35731D2715A1}" srcOrd="1" destOrd="0" presId="urn:microsoft.com/office/officeart/2005/8/layout/process5"/>
-    <dgm:cxn modelId="{5E2A5404-7609-437E-9DE5-1B849E41237D}" type="presOf" srcId="{75C2D920-135B-451C-B52D-18F3D79B2AF8}" destId="{40FC0476-7B7A-412F-AE38-B3715BA04471}" srcOrd="0" destOrd="0" presId="urn:microsoft.com/office/officeart/2005/8/layout/process5"/>
-    <dgm:cxn modelId="{9B3C8E5F-0E44-41EF-9B5A-A90A61119A92}" srcId="{C5DA818B-11CE-4C9C-8E2A-33C664145CD1}" destId="{48BC7AE1-6640-4CF0-8101-8B27CE503142}" srcOrd="4" destOrd="0" parTransId="{D1B82C1D-8D3F-4096-A45C-863C46D2584B}" sibTransId="{F67E0E82-4937-43A7-96D5-3A127E39D829}"/>
-    <dgm:cxn modelId="{20BD5BD7-88DB-4655-8AA1-9971BD3B2045}" type="presOf" srcId="{5EB830C5-9E0D-4233-B880-69CF794B7888}" destId="{5A431EEB-B083-4850-B0BA-F5C9C2DA2E0F}" srcOrd="0" destOrd="0" presId="urn:microsoft.com/office/officeart/2005/8/layout/process5"/>
     <dgm:cxn modelId="{8CAE3505-0000-4EE7-A121-8939F21057D1}" type="presParOf" srcId="{22BFAACF-342F-407C-8312-43E2D86A86B3}" destId="{CA9D7CE3-1A9C-4FE7-A38B-A1FD82311842}" srcOrd="0" destOrd="0" presId="urn:microsoft.com/office/officeart/2005/8/layout/process5"/>
     <dgm:cxn modelId="{6BFE022D-4C81-4244-BF72-0823E43232FB}" type="presParOf" srcId="{22BFAACF-342F-407C-8312-43E2D86A86B3}" destId="{BECFC45D-12F8-40D5-A04B-94CE8A5EE986}" srcOrd="1" destOrd="0" presId="urn:microsoft.com/office/officeart/2005/8/layout/process5"/>
     <dgm:cxn modelId="{EBCD3A0A-93E7-4279-954B-CA3E19A5D0E7}" type="presParOf" srcId="{BECFC45D-12F8-40D5-A04B-94CE8A5EE986}" destId="{2027CFEE-CDCB-4A58-AA3B-59B1A3861792}" srcOrd="0" destOrd="0" presId="urn:microsoft.com/office/officeart/2005/8/layout/process5"/>
@@ -3037,6 +3182,11 @@
   </dgm:cxnLst>
   <dgm:bg/>
   <dgm:whole/>
+  <dgm:extLst>
+    <a:ext uri="http://schemas.microsoft.com/office/drawing/2008/diagram">
+      <dsp:dataModelExt xmlns:dsp="http://schemas.microsoft.com/office/drawing/2008/diagram" relId="rId6" minVer="http://schemas.openxmlformats.org/drawingml/2006/diagram"/>
+    </a:ext>
+  </dgm:extLst>
 </dgm:dataModel>
 </file>
 
@@ -3193,6 +3343,13 @@
     <dgm:pt modelId="{02E8E01F-9B89-434C-A262-C82CE10E54EB}" type="pres">
       <dgm:prSet presAssocID="{02AE41EB-8DB4-4D4D-8A78-CCF9C0C28826}" presName="sibTrans" presStyleLbl="sibTrans2D1" presStyleIdx="0" presStyleCnt="2"/>
       <dgm:spPr/>
+      <dgm:t>
+        <a:bodyPr/>
+        <a:lstStyle/>
+        <a:p>
+          <a:endParaRPr lang="en-US"/>
+        </a:p>
+      </dgm:t>
     </dgm:pt>
     <dgm:pt modelId="{BC29FA6F-BC1D-44AC-A397-715BB10B781B}" type="pres">
       <dgm:prSet presAssocID="{02AE41EB-8DB4-4D4D-8A78-CCF9C0C28826}" presName="spacerB" presStyleCnt="0"/>
@@ -3216,10 +3373,24 @@
     <dgm:pt modelId="{93F51D8E-F515-46FB-A4EA-10D2475DBDE0}" type="pres">
       <dgm:prSet presAssocID="{829A83F7-6282-4009-9FDD-2C42EBA4229D}" presName="sibTransLast" presStyleLbl="sibTrans2D1" presStyleIdx="1" presStyleCnt="2"/>
       <dgm:spPr/>
+      <dgm:t>
+        <a:bodyPr/>
+        <a:lstStyle/>
+        <a:p>
+          <a:endParaRPr lang="en-US"/>
+        </a:p>
+      </dgm:t>
     </dgm:pt>
     <dgm:pt modelId="{4B248257-7F82-4D5B-A99E-8BE3D2399B63}" type="pres">
       <dgm:prSet presAssocID="{829A83F7-6282-4009-9FDD-2C42EBA4229D}" presName="connectorText" presStyleLbl="sibTrans2D1" presStyleIdx="1" presStyleCnt="2"/>
       <dgm:spPr/>
+      <dgm:t>
+        <a:bodyPr/>
+        <a:lstStyle/>
+        <a:p>
+          <a:endParaRPr lang="en-US"/>
+        </a:p>
+      </dgm:t>
     </dgm:pt>
     <dgm:pt modelId="{1CD94E81-4DBE-4137-BB79-235111C78090}" type="pres">
       <dgm:prSet presAssocID="{829A83F7-6282-4009-9FDD-2C42EBA4229D}" presName="lastNode" presStyleLbl="node1" presStyleIdx="2" presStyleCnt="3">
@@ -3238,16 +3409,16 @@
     </dgm:pt>
   </dgm:ptLst>
   <dgm:cxnLst>
+    <dgm:cxn modelId="{250BB9CC-FB48-4275-AAE4-5E65D50E2EFD}" type="presOf" srcId="{73857215-3029-4F35-8F5F-381F9058A623}" destId="{4B248257-7F82-4D5B-A99E-8BE3D2399B63}" srcOrd="1" destOrd="0" presId="urn:microsoft.com/office/officeart/2005/8/layout/equation2"/>
     <dgm:cxn modelId="{80248073-9923-4904-B277-AB374B0CF746}" type="presOf" srcId="{73857215-3029-4F35-8F5F-381F9058A623}" destId="{93F51D8E-F515-46FB-A4EA-10D2475DBDE0}" srcOrd="0" destOrd="0" presId="urn:microsoft.com/office/officeart/2005/8/layout/equation2"/>
+    <dgm:cxn modelId="{89C2D7CA-A7DA-48F6-817D-F60EAC750DD9}" type="presOf" srcId="{F9628E8C-B3D5-471D-9619-418CD8F351E3}" destId="{471036B0-BBE4-490B-BA37-5C1F685D5E0F}" srcOrd="0" destOrd="0" presId="urn:microsoft.com/office/officeart/2005/8/layout/equation2"/>
+    <dgm:cxn modelId="{BC1DBD69-0CCA-4DF8-A70C-1A3170E58487}" type="presOf" srcId="{03627E23-B44B-4654-B051-5B5703C1EE4F}" destId="{A973A65D-B79E-4895-80DB-F28072714831}" srcOrd="0" destOrd="0" presId="urn:microsoft.com/office/officeart/2005/8/layout/equation2"/>
     <dgm:cxn modelId="{44109E7D-37C0-49DB-8BAF-6D804320D83D}" type="presOf" srcId="{02AE41EB-8DB4-4D4D-8A78-CCF9C0C28826}" destId="{02E8E01F-9B89-434C-A262-C82CE10E54EB}" srcOrd="0" destOrd="0" presId="urn:microsoft.com/office/officeart/2005/8/layout/equation2"/>
-    <dgm:cxn modelId="{BC1DBD69-0CCA-4DF8-A70C-1A3170E58487}" type="presOf" srcId="{03627E23-B44B-4654-B051-5B5703C1EE4F}" destId="{A973A65D-B79E-4895-80DB-F28072714831}" srcOrd="0" destOrd="0" presId="urn:microsoft.com/office/officeart/2005/8/layout/equation2"/>
+    <dgm:cxn modelId="{5BB4923B-7A39-4B87-BDC7-250B3185D3D2}" type="presOf" srcId="{829A83F7-6282-4009-9FDD-2C42EBA4229D}" destId="{CE329C6F-D443-4ACB-8B92-7E3E608CA8EF}" srcOrd="0" destOrd="0" presId="urn:microsoft.com/office/officeart/2005/8/layout/equation2"/>
+    <dgm:cxn modelId="{A47780B4-0FBD-4CD3-97F0-D86933CDE007}" type="presOf" srcId="{946134F0-F3CD-48E5-8F5C-622A6A5A010A}" destId="{1CD94E81-4DBE-4137-BB79-235111C78090}" srcOrd="0" destOrd="0" presId="urn:microsoft.com/office/officeart/2005/8/layout/equation2"/>
+    <dgm:cxn modelId="{E1F4254F-E3F1-4CD6-BF2E-58B4220D6498}" srcId="{829A83F7-6282-4009-9FDD-2C42EBA4229D}" destId="{F9628E8C-B3D5-471D-9619-418CD8F351E3}" srcOrd="0" destOrd="0" parTransId="{32D18632-714E-423E-919B-53619FB168E2}" sibTransId="{02AE41EB-8DB4-4D4D-8A78-CCF9C0C28826}"/>
     <dgm:cxn modelId="{07D7F9DE-BA73-48CC-AABE-B3871BBA7FAF}" srcId="{829A83F7-6282-4009-9FDD-2C42EBA4229D}" destId="{946134F0-F3CD-48E5-8F5C-622A6A5A010A}" srcOrd="2" destOrd="0" parTransId="{34D5185C-CA43-429D-8F7C-611C0F651B70}" sibTransId="{B8689090-7701-4465-9632-4A7B0DCE1809}"/>
-    <dgm:cxn modelId="{89C2D7CA-A7DA-48F6-817D-F60EAC750DD9}" type="presOf" srcId="{F9628E8C-B3D5-471D-9619-418CD8F351E3}" destId="{471036B0-BBE4-490B-BA37-5C1F685D5E0F}" srcOrd="0" destOrd="0" presId="urn:microsoft.com/office/officeart/2005/8/layout/equation2"/>
-    <dgm:cxn modelId="{A47780B4-0FBD-4CD3-97F0-D86933CDE007}" type="presOf" srcId="{946134F0-F3CD-48E5-8F5C-622A6A5A010A}" destId="{1CD94E81-4DBE-4137-BB79-235111C78090}" srcOrd="0" destOrd="0" presId="urn:microsoft.com/office/officeart/2005/8/layout/equation2"/>
     <dgm:cxn modelId="{7A9FAF37-4789-4EBB-BE05-8ABD17C6AD6E}" srcId="{829A83F7-6282-4009-9FDD-2C42EBA4229D}" destId="{03627E23-B44B-4654-B051-5B5703C1EE4F}" srcOrd="1" destOrd="0" parTransId="{FA49A028-C2E4-412A-AE88-54A957BC1F11}" sibTransId="{73857215-3029-4F35-8F5F-381F9058A623}"/>
-    <dgm:cxn modelId="{250BB9CC-FB48-4275-AAE4-5E65D50E2EFD}" type="presOf" srcId="{73857215-3029-4F35-8F5F-381F9058A623}" destId="{4B248257-7F82-4D5B-A99E-8BE3D2399B63}" srcOrd="1" destOrd="0" presId="urn:microsoft.com/office/officeart/2005/8/layout/equation2"/>
-    <dgm:cxn modelId="{E1F4254F-E3F1-4CD6-BF2E-58B4220D6498}" srcId="{829A83F7-6282-4009-9FDD-2C42EBA4229D}" destId="{F9628E8C-B3D5-471D-9619-418CD8F351E3}" srcOrd="0" destOrd="0" parTransId="{32D18632-714E-423E-919B-53619FB168E2}" sibTransId="{02AE41EB-8DB4-4D4D-8A78-CCF9C0C28826}"/>
-    <dgm:cxn modelId="{5BB4923B-7A39-4B87-BDC7-250B3185D3D2}" type="presOf" srcId="{829A83F7-6282-4009-9FDD-2C42EBA4229D}" destId="{CE329C6F-D443-4ACB-8B92-7E3E608CA8EF}" srcOrd="0" destOrd="0" presId="urn:microsoft.com/office/officeart/2005/8/layout/equation2"/>
     <dgm:cxn modelId="{BE893D11-FFE4-4715-940C-D4038A99A013}" type="presParOf" srcId="{CE329C6F-D443-4ACB-8B92-7E3E608CA8EF}" destId="{39677E7D-3FCA-4FEA-8623-7830E4A9210A}" srcOrd="0" destOrd="0" presId="urn:microsoft.com/office/officeart/2005/8/layout/equation2"/>
     <dgm:cxn modelId="{28CEE62A-AEC7-48D1-8E4E-B3107FED62D8}" type="presParOf" srcId="{39677E7D-3FCA-4FEA-8623-7830E4A9210A}" destId="{471036B0-BBE4-490B-BA37-5C1F685D5E0F}" srcOrd="0" destOrd="0" presId="urn:microsoft.com/office/officeart/2005/8/layout/equation2"/>
     <dgm:cxn modelId="{BD853D82-D647-4E6D-98B5-F357874A5F96}" type="presParOf" srcId="{39677E7D-3FCA-4FEA-8623-7830E4A9210A}" destId="{15C6121E-1B75-4587-B008-9F19D13B1623}" srcOrd="1" destOrd="0" presId="urn:microsoft.com/office/officeart/2005/8/layout/equation2"/>
@@ -3260,7 +3431,1949 @@
   </dgm:cxnLst>
   <dgm:bg/>
   <dgm:whole/>
+  <dgm:extLst>
+    <a:ext uri="http://schemas.microsoft.com/office/drawing/2008/diagram">
+      <dsp:dataModelExt xmlns:dsp="http://schemas.microsoft.com/office/drawing/2008/diagram" relId="rId6" minVer="http://schemas.openxmlformats.org/drawingml/2006/diagram"/>
+    </a:ext>
+  </dgm:extLst>
 </dgm:dataModel>
+</file>
+
+<file path=ppt/diagrams/drawing1.xml><?xml version="1.0" encoding="utf-8"?>
+<dsp:drawing xmlns:dgm="http://schemas.openxmlformats.org/drawingml/2006/diagram" xmlns:dsp="http://schemas.microsoft.com/office/drawing/2008/diagram" xmlns:a="http://schemas.openxmlformats.org/drawingml/2006/main">
+  <dsp:spTree>
+    <dsp:nvGrpSpPr>
+      <dsp:cNvPr id="0" name=""/>
+      <dsp:cNvGrpSpPr/>
+    </dsp:nvGrpSpPr>
+    <dsp:grpSpPr/>
+    <dsp:sp modelId="{FFFE3068-50C6-4EDA-99E6-9AB4629C6958}">
+      <dsp:nvSpPr>
+        <dsp:cNvPr id="0" name=""/>
+        <dsp:cNvSpPr/>
+      </dsp:nvSpPr>
+      <dsp:spPr>
+        <a:xfrm>
+          <a:off x="2579089" y="1333"/>
+          <a:ext cx="1471221" cy="1471221"/>
+        </a:xfrm>
+        <a:prstGeom prst="ellipse">
+          <a:avLst/>
+        </a:prstGeom>
+        <a:solidFill>
+          <a:schemeClr val="accent2">
+            <a:hueOff val="0"/>
+            <a:satOff val="0"/>
+            <a:lumOff val="0"/>
+            <a:alphaOff val="0"/>
+          </a:schemeClr>
+        </a:solidFill>
+        <a:ln>
+          <a:noFill/>
+        </a:ln>
+        <a:effectLst>
+          <a:outerShdw blurRad="40000" dist="23000" dir="5400000" rotWithShape="0">
+            <a:srgbClr val="000000">
+              <a:alpha val="35000"/>
+            </a:srgbClr>
+          </a:outerShdw>
+        </a:effectLst>
+        <a:sp3d prstMaterial="plastic">
+          <a:bevelT w="50800" h="50800"/>
+          <a:bevelB w="50800" h="50800"/>
+        </a:sp3d>
+      </dsp:spPr>
+      <dsp:style>
+        <a:lnRef idx="0">
+          <a:scrgbClr r="0" g="0" b="0"/>
+        </a:lnRef>
+        <a:fillRef idx="1">
+          <a:scrgbClr r="0" g="0" b="0"/>
+        </a:fillRef>
+        <a:effectRef idx="2">
+          <a:scrgbClr r="0" g="0" b="0"/>
+        </a:effectRef>
+        <a:fontRef idx="minor">
+          <a:schemeClr val="lt1"/>
+        </a:fontRef>
+      </dsp:style>
+      <dsp:txBody>
+        <a:bodyPr spcFirstLastPara="0" vert="horz" wrap="square" lIns="38100" tIns="38100" rIns="38100" bIns="38100" numCol="1" spcCol="1270" anchor="ctr" anchorCtr="0">
+          <a:noAutofit/>
+        </a:bodyPr>
+        <a:lstStyle/>
+        <a:p>
+          <a:pPr lvl="0" algn="ctr" defTabSz="1333500">
+            <a:lnSpc>
+              <a:spcPct val="90000"/>
+            </a:lnSpc>
+            <a:spcBef>
+              <a:spcPct val="0"/>
+            </a:spcBef>
+            <a:spcAft>
+              <a:spcPct val="35000"/>
+            </a:spcAft>
+          </a:pPr>
+          <a:r>
+            <a:rPr lang="en-US" sz="3000" kern="1200" dirty="0" smtClean="0"/>
+            <a:t>Plan</a:t>
+          </a:r>
+          <a:endParaRPr lang="en-US" sz="3000" kern="1200" dirty="0"/>
+        </a:p>
+      </dsp:txBody>
+      <dsp:txXfrm>
+        <a:off x="2794544" y="216788"/>
+        <a:ext cx="1040311" cy="1040311"/>
+      </dsp:txXfrm>
+    </dsp:sp>
+    <dsp:sp modelId="{90BB7DB9-C39E-4DD6-8775-50A957030220}">
+      <dsp:nvSpPr>
+        <dsp:cNvPr id="0" name=""/>
+        <dsp:cNvSpPr/>
+      </dsp:nvSpPr>
+      <dsp:spPr>
+        <a:xfrm rot="2700000">
+          <a:off x="3892336" y="1261732"/>
+          <a:ext cx="390839" cy="496537"/>
+        </a:xfrm>
+        <a:prstGeom prst="rightArrow">
+          <a:avLst>
+            <a:gd name="adj1" fmla="val 60000"/>
+            <a:gd name="adj2" fmla="val 50000"/>
+          </a:avLst>
+        </a:prstGeom>
+        <a:solidFill>
+          <a:schemeClr val="accent2">
+            <a:tint val="60000"/>
+            <a:hueOff val="0"/>
+            <a:satOff val="0"/>
+            <a:lumOff val="0"/>
+            <a:alphaOff val="0"/>
+          </a:schemeClr>
+        </a:solidFill>
+        <a:ln w="9525" cap="flat" cmpd="sng" algn="ctr">
+          <a:solidFill>
+            <a:schemeClr val="accent2">
+              <a:tint val="60000"/>
+              <a:hueOff val="0"/>
+              <a:satOff val="0"/>
+              <a:lumOff val="0"/>
+              <a:alphaOff val="0"/>
+            </a:schemeClr>
+          </a:solidFill>
+          <a:prstDash val="solid"/>
+        </a:ln>
+        <a:effectLst>
+          <a:outerShdw blurRad="40000" dist="23000" dir="5400000" rotWithShape="0">
+            <a:srgbClr val="000000">
+              <a:alpha val="35000"/>
+            </a:srgbClr>
+          </a:outerShdw>
+        </a:effectLst>
+        <a:sp3d z="-25400" prstMaterial="plastic">
+          <a:bevelT w="25400" h="25400"/>
+          <a:bevelB w="25400" h="25400"/>
+        </a:sp3d>
+      </dsp:spPr>
+      <dsp:style>
+        <a:lnRef idx="1">
+          <a:scrgbClr r="0" g="0" b="0"/>
+        </a:lnRef>
+        <a:fillRef idx="1">
+          <a:scrgbClr r="0" g="0" b="0"/>
+        </a:fillRef>
+        <a:effectRef idx="2">
+          <a:scrgbClr r="0" g="0" b="0"/>
+        </a:effectRef>
+        <a:fontRef idx="minor">
+          <a:schemeClr val="lt1"/>
+        </a:fontRef>
+      </dsp:style>
+      <dsp:txBody>
+        <a:bodyPr spcFirstLastPara="0" vert="horz" wrap="square" lIns="0" tIns="0" rIns="0" bIns="0" numCol="1" spcCol="1270" anchor="ctr" anchorCtr="0">
+          <a:noAutofit/>
+        </a:bodyPr>
+        <a:lstStyle/>
+        <a:p>
+          <a:pPr lvl="0" algn="ctr" defTabSz="933450">
+            <a:lnSpc>
+              <a:spcPct val="90000"/>
+            </a:lnSpc>
+            <a:spcBef>
+              <a:spcPct val="0"/>
+            </a:spcBef>
+            <a:spcAft>
+              <a:spcPct val="35000"/>
+            </a:spcAft>
+          </a:pPr>
+          <a:endParaRPr lang="en-US" sz="2100" kern="1200"/>
+        </a:p>
+      </dsp:txBody>
+      <dsp:txXfrm>
+        <a:off x="3909507" y="1319584"/>
+        <a:ext cx="273587" cy="297923"/>
+      </dsp:txXfrm>
+    </dsp:sp>
+    <dsp:sp modelId="{3A05E1D0-C4B3-4F1A-B40F-35DDE3458635}">
+      <dsp:nvSpPr>
+        <dsp:cNvPr id="0" name=""/>
+        <dsp:cNvSpPr/>
+      </dsp:nvSpPr>
+      <dsp:spPr>
+        <a:xfrm>
+          <a:off x="4140844" y="1563089"/>
+          <a:ext cx="1471221" cy="1471221"/>
+        </a:xfrm>
+        <a:prstGeom prst="ellipse">
+          <a:avLst/>
+        </a:prstGeom>
+        <a:solidFill>
+          <a:schemeClr val="accent2">
+            <a:hueOff val="0"/>
+            <a:satOff val="0"/>
+            <a:lumOff val="0"/>
+            <a:alphaOff val="0"/>
+          </a:schemeClr>
+        </a:solidFill>
+        <a:ln>
+          <a:noFill/>
+        </a:ln>
+        <a:effectLst>
+          <a:outerShdw blurRad="40000" dist="23000" dir="5400000" rotWithShape="0">
+            <a:srgbClr val="000000">
+              <a:alpha val="35000"/>
+            </a:srgbClr>
+          </a:outerShdw>
+        </a:effectLst>
+        <a:sp3d prstMaterial="plastic">
+          <a:bevelT w="50800" h="50800"/>
+          <a:bevelB w="50800" h="50800"/>
+        </a:sp3d>
+      </dsp:spPr>
+      <dsp:style>
+        <a:lnRef idx="0">
+          <a:scrgbClr r="0" g="0" b="0"/>
+        </a:lnRef>
+        <a:fillRef idx="1">
+          <a:scrgbClr r="0" g="0" b="0"/>
+        </a:fillRef>
+        <a:effectRef idx="2">
+          <a:scrgbClr r="0" g="0" b="0"/>
+        </a:effectRef>
+        <a:fontRef idx="minor">
+          <a:schemeClr val="lt1"/>
+        </a:fontRef>
+      </dsp:style>
+      <dsp:txBody>
+        <a:bodyPr spcFirstLastPara="0" vert="horz" wrap="square" lIns="38100" tIns="38100" rIns="38100" bIns="38100" numCol="1" spcCol="1270" anchor="ctr" anchorCtr="0">
+          <a:noAutofit/>
+        </a:bodyPr>
+        <a:lstStyle/>
+        <a:p>
+          <a:pPr lvl="0" algn="ctr" defTabSz="1333500">
+            <a:lnSpc>
+              <a:spcPct val="90000"/>
+            </a:lnSpc>
+            <a:spcBef>
+              <a:spcPct val="0"/>
+            </a:spcBef>
+            <a:spcAft>
+              <a:spcPct val="35000"/>
+            </a:spcAft>
+          </a:pPr>
+          <a:r>
+            <a:rPr lang="en-US" sz="3000" kern="1200" dirty="0" smtClean="0"/>
+            <a:t>Code</a:t>
+          </a:r>
+          <a:endParaRPr lang="en-US" sz="3000" kern="1200" dirty="0"/>
+        </a:p>
+      </dsp:txBody>
+      <dsp:txXfrm>
+        <a:off x="4356299" y="1778544"/>
+        <a:ext cx="1040311" cy="1040311"/>
+      </dsp:txXfrm>
+    </dsp:sp>
+    <dsp:sp modelId="{2EDD0443-2E9A-4148-9416-16C56D593B70}">
+      <dsp:nvSpPr>
+        <dsp:cNvPr id="0" name=""/>
+        <dsp:cNvSpPr/>
+      </dsp:nvSpPr>
+      <dsp:spPr>
+        <a:xfrm rot="8100000">
+          <a:off x="3941823" y="2804395"/>
+          <a:ext cx="361334" cy="496537"/>
+        </a:xfrm>
+        <a:prstGeom prst="rightArrow">
+          <a:avLst>
+            <a:gd name="adj1" fmla="val 60000"/>
+            <a:gd name="adj2" fmla="val 50000"/>
+          </a:avLst>
+        </a:prstGeom>
+        <a:solidFill>
+          <a:schemeClr val="accent2">
+            <a:tint val="60000"/>
+            <a:hueOff val="0"/>
+            <a:satOff val="0"/>
+            <a:lumOff val="0"/>
+            <a:alphaOff val="0"/>
+          </a:schemeClr>
+        </a:solidFill>
+        <a:ln w="9525" cap="flat" cmpd="sng" algn="ctr">
+          <a:solidFill>
+            <a:schemeClr val="accent2">
+              <a:tint val="60000"/>
+              <a:hueOff val="0"/>
+              <a:satOff val="0"/>
+              <a:lumOff val="0"/>
+              <a:alphaOff val="0"/>
+            </a:schemeClr>
+          </a:solidFill>
+          <a:prstDash val="solid"/>
+        </a:ln>
+        <a:effectLst>
+          <a:outerShdw blurRad="40000" dist="23000" dir="5400000" rotWithShape="0">
+            <a:srgbClr val="000000">
+              <a:alpha val="35000"/>
+            </a:srgbClr>
+          </a:outerShdw>
+        </a:effectLst>
+        <a:sp3d z="-25400" prstMaterial="plastic">
+          <a:bevelT w="25400" h="25400"/>
+          <a:bevelB w="25400" h="25400"/>
+        </a:sp3d>
+      </dsp:spPr>
+      <dsp:style>
+        <a:lnRef idx="1">
+          <a:scrgbClr r="0" g="0" b="0"/>
+        </a:lnRef>
+        <a:fillRef idx="1">
+          <a:scrgbClr r="0" g="0" b="0"/>
+        </a:fillRef>
+        <a:effectRef idx="2">
+          <a:scrgbClr r="0" g="0" b="0"/>
+        </a:effectRef>
+        <a:fontRef idx="minor">
+          <a:schemeClr val="lt1"/>
+        </a:fontRef>
+      </dsp:style>
+      <dsp:txBody>
+        <a:bodyPr spcFirstLastPara="0" vert="horz" wrap="square" lIns="0" tIns="0" rIns="0" bIns="0" numCol="1" spcCol="1270" anchor="ctr" anchorCtr="0">
+          <a:noAutofit/>
+        </a:bodyPr>
+        <a:lstStyle/>
+        <a:p>
+          <a:pPr lvl="0" algn="ctr" defTabSz="933450">
+            <a:lnSpc>
+              <a:spcPct val="90000"/>
+            </a:lnSpc>
+            <a:spcBef>
+              <a:spcPct val="0"/>
+            </a:spcBef>
+            <a:spcAft>
+              <a:spcPct val="35000"/>
+            </a:spcAft>
+          </a:pPr>
+          <a:endParaRPr lang="en-US" sz="2100" kern="1200"/>
+        </a:p>
+      </dsp:txBody>
+      <dsp:txXfrm rot="10800000">
+        <a:off x="4034348" y="2865377"/>
+        <a:ext cx="252934" cy="297923"/>
+      </dsp:txXfrm>
+    </dsp:sp>
+    <dsp:sp modelId="{C50F90CA-8755-452D-879C-793F6718482B}">
+      <dsp:nvSpPr>
+        <dsp:cNvPr id="0" name=""/>
+        <dsp:cNvSpPr/>
+      </dsp:nvSpPr>
+      <dsp:spPr>
+        <a:xfrm>
+          <a:off x="2452836" y="3124844"/>
+          <a:ext cx="1723727" cy="1471221"/>
+        </a:xfrm>
+        <a:prstGeom prst="ellipse">
+          <a:avLst/>
+        </a:prstGeom>
+        <a:solidFill>
+          <a:schemeClr val="accent2">
+            <a:hueOff val="0"/>
+            <a:satOff val="0"/>
+            <a:lumOff val="0"/>
+            <a:alphaOff val="0"/>
+          </a:schemeClr>
+        </a:solidFill>
+        <a:ln>
+          <a:noFill/>
+        </a:ln>
+        <a:effectLst>
+          <a:outerShdw blurRad="40000" dist="23000" dir="5400000" rotWithShape="0">
+            <a:srgbClr val="000000">
+              <a:alpha val="35000"/>
+            </a:srgbClr>
+          </a:outerShdw>
+        </a:effectLst>
+        <a:sp3d prstMaterial="plastic">
+          <a:bevelT w="50800" h="50800"/>
+          <a:bevelB w="50800" h="50800"/>
+        </a:sp3d>
+      </dsp:spPr>
+      <dsp:style>
+        <a:lnRef idx="0">
+          <a:scrgbClr r="0" g="0" b="0"/>
+        </a:lnRef>
+        <a:fillRef idx="1">
+          <a:scrgbClr r="0" g="0" b="0"/>
+        </a:fillRef>
+        <a:effectRef idx="2">
+          <a:scrgbClr r="0" g="0" b="0"/>
+        </a:effectRef>
+        <a:fontRef idx="minor">
+          <a:schemeClr val="lt1"/>
+        </a:fontRef>
+      </dsp:style>
+      <dsp:txBody>
+        <a:bodyPr spcFirstLastPara="0" vert="horz" wrap="square" lIns="25400" tIns="25400" rIns="25400" bIns="25400" numCol="1" spcCol="1270" anchor="ctr" anchorCtr="0">
+          <a:noAutofit/>
+        </a:bodyPr>
+        <a:lstStyle/>
+        <a:p>
+          <a:pPr lvl="0" algn="ctr" defTabSz="889000">
+            <a:lnSpc>
+              <a:spcPct val="90000"/>
+            </a:lnSpc>
+            <a:spcBef>
+              <a:spcPct val="0"/>
+            </a:spcBef>
+            <a:spcAft>
+              <a:spcPct val="35000"/>
+            </a:spcAft>
+          </a:pPr>
+          <a:r>
+            <a:rPr lang="en-US" sz="2000" kern="1200" dirty="0" smtClean="0"/>
+            <a:t>Review</a:t>
+          </a:r>
+          <a:endParaRPr lang="en-US" sz="2000" kern="1200" dirty="0"/>
+        </a:p>
+      </dsp:txBody>
+      <dsp:txXfrm>
+        <a:off x="2705270" y="3340299"/>
+        <a:ext cx="1218859" cy="1040311"/>
+      </dsp:txXfrm>
+    </dsp:sp>
+    <dsp:sp modelId="{B5D4E4DA-557A-4C4C-BA44-4BD2153AD12A}">
+      <dsp:nvSpPr>
+        <dsp:cNvPr id="0" name=""/>
+        <dsp:cNvSpPr/>
+      </dsp:nvSpPr>
+      <dsp:spPr>
+        <a:xfrm rot="13500000">
+          <a:off x="2340703" y="2818857"/>
+          <a:ext cx="361334" cy="496537"/>
+        </a:xfrm>
+        <a:prstGeom prst="rightArrow">
+          <a:avLst>
+            <a:gd name="adj1" fmla="val 60000"/>
+            <a:gd name="adj2" fmla="val 50000"/>
+          </a:avLst>
+        </a:prstGeom>
+        <a:solidFill>
+          <a:schemeClr val="accent2">
+            <a:tint val="60000"/>
+            <a:hueOff val="0"/>
+            <a:satOff val="0"/>
+            <a:lumOff val="0"/>
+            <a:alphaOff val="0"/>
+          </a:schemeClr>
+        </a:solidFill>
+        <a:ln w="9525" cap="flat" cmpd="sng" algn="ctr">
+          <a:solidFill>
+            <a:schemeClr val="accent2">
+              <a:tint val="60000"/>
+              <a:hueOff val="0"/>
+              <a:satOff val="0"/>
+              <a:lumOff val="0"/>
+              <a:alphaOff val="0"/>
+            </a:schemeClr>
+          </a:solidFill>
+          <a:prstDash val="solid"/>
+        </a:ln>
+        <a:effectLst>
+          <a:outerShdw blurRad="40000" dist="23000" dir="5400000" rotWithShape="0">
+            <a:srgbClr val="000000">
+              <a:alpha val="35000"/>
+            </a:srgbClr>
+          </a:outerShdw>
+        </a:effectLst>
+        <a:sp3d z="-25400" prstMaterial="plastic">
+          <a:bevelT w="25400" h="25400"/>
+          <a:bevelB w="25400" h="25400"/>
+        </a:sp3d>
+      </dsp:spPr>
+      <dsp:style>
+        <a:lnRef idx="1">
+          <a:scrgbClr r="0" g="0" b="0"/>
+        </a:lnRef>
+        <a:fillRef idx="1">
+          <a:scrgbClr r="0" g="0" b="0"/>
+        </a:fillRef>
+        <a:effectRef idx="2">
+          <a:scrgbClr r="0" g="0" b="0"/>
+        </a:effectRef>
+        <a:fontRef idx="minor">
+          <a:schemeClr val="lt1"/>
+        </a:fontRef>
+      </dsp:style>
+      <dsp:txBody>
+        <a:bodyPr spcFirstLastPara="0" vert="horz" wrap="square" lIns="0" tIns="0" rIns="0" bIns="0" numCol="1" spcCol="1270" anchor="ctr" anchorCtr="0">
+          <a:noAutofit/>
+        </a:bodyPr>
+        <a:lstStyle/>
+        <a:p>
+          <a:pPr lvl="0" algn="ctr" defTabSz="933450">
+            <a:lnSpc>
+              <a:spcPct val="90000"/>
+            </a:lnSpc>
+            <a:spcBef>
+              <a:spcPct val="0"/>
+            </a:spcBef>
+            <a:spcAft>
+              <a:spcPct val="35000"/>
+            </a:spcAft>
+          </a:pPr>
+          <a:endParaRPr lang="en-US" sz="2100" kern="1200"/>
+        </a:p>
+      </dsp:txBody>
+      <dsp:txXfrm rot="10800000">
+        <a:off x="2433228" y="2956489"/>
+        <a:ext cx="252934" cy="297923"/>
+      </dsp:txXfrm>
+    </dsp:sp>
+    <dsp:sp modelId="{28597065-8685-4AB3-A908-4DDB750E2A2B}">
+      <dsp:nvSpPr>
+        <dsp:cNvPr id="0" name=""/>
+        <dsp:cNvSpPr/>
+      </dsp:nvSpPr>
+      <dsp:spPr>
+        <a:xfrm>
+          <a:off x="1017333" y="1563089"/>
+          <a:ext cx="1471221" cy="1471221"/>
+        </a:xfrm>
+        <a:prstGeom prst="ellipse">
+          <a:avLst/>
+        </a:prstGeom>
+        <a:solidFill>
+          <a:schemeClr val="accent2">
+            <a:hueOff val="0"/>
+            <a:satOff val="0"/>
+            <a:lumOff val="0"/>
+            <a:alphaOff val="0"/>
+          </a:schemeClr>
+        </a:solidFill>
+        <a:ln>
+          <a:noFill/>
+        </a:ln>
+        <a:effectLst>
+          <a:outerShdw blurRad="40000" dist="23000" dir="5400000" rotWithShape="0">
+            <a:srgbClr val="000000">
+              <a:alpha val="35000"/>
+            </a:srgbClr>
+          </a:outerShdw>
+        </a:effectLst>
+        <a:sp3d prstMaterial="plastic">
+          <a:bevelT w="50800" h="50800"/>
+          <a:bevelB w="50800" h="50800"/>
+        </a:sp3d>
+      </dsp:spPr>
+      <dsp:style>
+        <a:lnRef idx="0">
+          <a:scrgbClr r="0" g="0" b="0"/>
+        </a:lnRef>
+        <a:fillRef idx="1">
+          <a:scrgbClr r="0" g="0" b="0"/>
+        </a:fillRef>
+        <a:effectRef idx="2">
+          <a:scrgbClr r="0" g="0" b="0"/>
+        </a:effectRef>
+        <a:fontRef idx="minor">
+          <a:schemeClr val="lt1"/>
+        </a:fontRef>
+      </dsp:style>
+      <dsp:txBody>
+        <a:bodyPr spcFirstLastPara="0" vert="horz" wrap="square" lIns="38100" tIns="38100" rIns="38100" bIns="38100" numCol="1" spcCol="1270" anchor="ctr" anchorCtr="0">
+          <a:noAutofit/>
+        </a:bodyPr>
+        <a:lstStyle/>
+        <a:p>
+          <a:pPr lvl="0" algn="ctr" defTabSz="1333500">
+            <a:lnSpc>
+              <a:spcPct val="90000"/>
+            </a:lnSpc>
+            <a:spcBef>
+              <a:spcPct val="0"/>
+            </a:spcBef>
+            <a:spcAft>
+              <a:spcPct val="35000"/>
+            </a:spcAft>
+          </a:pPr>
+          <a:r>
+            <a:rPr lang="en-US" sz="3000" kern="1200" dirty="0" smtClean="0"/>
+            <a:t>Log bugs</a:t>
+          </a:r>
+          <a:endParaRPr lang="en-US" sz="3000" kern="1200" dirty="0"/>
+        </a:p>
+      </dsp:txBody>
+      <dsp:txXfrm>
+        <a:off x="1232788" y="1778544"/>
+        <a:ext cx="1040311" cy="1040311"/>
+      </dsp:txXfrm>
+    </dsp:sp>
+    <dsp:sp modelId="{32BF7593-8EED-43A1-9306-25F0C8C52647}">
+      <dsp:nvSpPr>
+        <dsp:cNvPr id="0" name=""/>
+        <dsp:cNvSpPr/>
+      </dsp:nvSpPr>
+      <dsp:spPr>
+        <a:xfrm rot="18900000">
+          <a:off x="2330580" y="1277375"/>
+          <a:ext cx="390839" cy="496537"/>
+        </a:xfrm>
+        <a:prstGeom prst="rightArrow">
+          <a:avLst>
+            <a:gd name="adj1" fmla="val 60000"/>
+            <a:gd name="adj2" fmla="val 50000"/>
+          </a:avLst>
+        </a:prstGeom>
+        <a:solidFill>
+          <a:schemeClr val="accent2">
+            <a:tint val="60000"/>
+            <a:hueOff val="0"/>
+            <a:satOff val="0"/>
+            <a:lumOff val="0"/>
+            <a:alphaOff val="0"/>
+          </a:schemeClr>
+        </a:solidFill>
+        <a:ln w="9525" cap="flat" cmpd="sng" algn="ctr">
+          <a:solidFill>
+            <a:schemeClr val="accent2">
+              <a:tint val="60000"/>
+              <a:hueOff val="0"/>
+              <a:satOff val="0"/>
+              <a:lumOff val="0"/>
+              <a:alphaOff val="0"/>
+            </a:schemeClr>
+          </a:solidFill>
+          <a:prstDash val="solid"/>
+        </a:ln>
+        <a:effectLst>
+          <a:outerShdw blurRad="40000" dist="23000" dir="5400000" rotWithShape="0">
+            <a:srgbClr val="000000">
+              <a:alpha val="35000"/>
+            </a:srgbClr>
+          </a:outerShdw>
+        </a:effectLst>
+        <a:sp3d z="-25400" prstMaterial="plastic">
+          <a:bevelT w="25400" h="25400"/>
+          <a:bevelB w="25400" h="25400"/>
+        </a:sp3d>
+      </dsp:spPr>
+      <dsp:style>
+        <a:lnRef idx="1">
+          <a:scrgbClr r="0" g="0" b="0"/>
+        </a:lnRef>
+        <a:fillRef idx="1">
+          <a:scrgbClr r="0" g="0" b="0"/>
+        </a:fillRef>
+        <a:effectRef idx="2">
+          <a:scrgbClr r="0" g="0" b="0"/>
+        </a:effectRef>
+        <a:fontRef idx="minor">
+          <a:schemeClr val="lt1"/>
+        </a:fontRef>
+      </dsp:style>
+      <dsp:txBody>
+        <a:bodyPr spcFirstLastPara="0" vert="horz" wrap="square" lIns="0" tIns="0" rIns="0" bIns="0" numCol="1" spcCol="1270" anchor="ctr" anchorCtr="0">
+          <a:noAutofit/>
+        </a:bodyPr>
+        <a:lstStyle/>
+        <a:p>
+          <a:pPr lvl="0" algn="ctr" defTabSz="933450">
+            <a:lnSpc>
+              <a:spcPct val="90000"/>
+            </a:lnSpc>
+            <a:spcBef>
+              <a:spcPct val="0"/>
+            </a:spcBef>
+            <a:spcAft>
+              <a:spcPct val="35000"/>
+            </a:spcAft>
+          </a:pPr>
+          <a:endParaRPr lang="en-US" sz="2100" kern="1200"/>
+        </a:p>
+      </dsp:txBody>
+      <dsp:txXfrm>
+        <a:off x="2347751" y="1418137"/>
+        <a:ext cx="273587" cy="297923"/>
+      </dsp:txXfrm>
+    </dsp:sp>
+  </dsp:spTree>
+</dsp:drawing>
+</file>
+
+<file path=ppt/diagrams/drawing2.xml><?xml version="1.0" encoding="utf-8"?>
+<dsp:drawing xmlns:dgm="http://schemas.openxmlformats.org/drawingml/2006/diagram" xmlns:dsp="http://schemas.microsoft.com/office/drawing/2008/diagram" xmlns:a="http://schemas.openxmlformats.org/drawingml/2006/main">
+  <dsp:spTree>
+    <dsp:nvGrpSpPr>
+      <dsp:cNvPr id="0" name=""/>
+      <dsp:cNvGrpSpPr/>
+    </dsp:nvGrpSpPr>
+    <dsp:grpSpPr/>
+    <dsp:sp modelId="{CA9D7CE3-1A9C-4FE7-A38B-A1FD82311842}">
+      <dsp:nvSpPr>
+        <dsp:cNvPr id="0" name=""/>
+        <dsp:cNvSpPr/>
+      </dsp:nvSpPr>
+      <dsp:spPr>
+        <a:xfrm>
+          <a:off x="858440" y="2877"/>
+          <a:ext cx="1824632" cy="1094779"/>
+        </a:xfrm>
+        <a:prstGeom prst="roundRect">
+          <a:avLst>
+            <a:gd name="adj" fmla="val 10000"/>
+          </a:avLst>
+        </a:prstGeom>
+        <a:solidFill>
+          <a:schemeClr val="accent2">
+            <a:hueOff val="0"/>
+            <a:satOff val="0"/>
+            <a:lumOff val="0"/>
+            <a:alphaOff val="0"/>
+          </a:schemeClr>
+        </a:solidFill>
+        <a:ln w="38100" cap="flat" cmpd="sng" algn="ctr">
+          <a:solidFill>
+            <a:schemeClr val="lt1">
+              <a:hueOff val="0"/>
+              <a:satOff val="0"/>
+              <a:lumOff val="0"/>
+              <a:alphaOff val="0"/>
+            </a:schemeClr>
+          </a:solidFill>
+          <a:prstDash val="solid"/>
+        </a:ln>
+        <a:effectLst>
+          <a:outerShdw blurRad="40000" dist="20000" dir="5400000" rotWithShape="0">
+            <a:srgbClr val="000000">
+              <a:alpha val="38000"/>
+            </a:srgbClr>
+          </a:outerShdw>
+        </a:effectLst>
+      </dsp:spPr>
+      <dsp:style>
+        <a:lnRef idx="3">
+          <a:scrgbClr r="0" g="0" b="0"/>
+        </a:lnRef>
+        <a:fillRef idx="1">
+          <a:scrgbClr r="0" g="0" b="0"/>
+        </a:fillRef>
+        <a:effectRef idx="1">
+          <a:scrgbClr r="0" g="0" b="0"/>
+        </a:effectRef>
+        <a:fontRef idx="minor">
+          <a:schemeClr val="lt1"/>
+        </a:fontRef>
+      </dsp:style>
+      <dsp:txBody>
+        <a:bodyPr spcFirstLastPara="0" vert="horz" wrap="square" lIns="91440" tIns="91440" rIns="91440" bIns="91440" numCol="1" spcCol="1270" anchor="ctr" anchorCtr="0">
+          <a:noAutofit/>
+        </a:bodyPr>
+        <a:lstStyle/>
+        <a:p>
+          <a:pPr lvl="0" algn="ctr" defTabSz="1066800">
+            <a:lnSpc>
+              <a:spcPct val="90000"/>
+            </a:lnSpc>
+            <a:spcBef>
+              <a:spcPct val="0"/>
+            </a:spcBef>
+            <a:spcAft>
+              <a:spcPct val="35000"/>
+            </a:spcAft>
+          </a:pPr>
+          <a:r>
+            <a:rPr lang="en-US" sz="2400" kern="1200" dirty="0" smtClean="0"/>
+            <a:t>Create TC template</a:t>
+          </a:r>
+          <a:endParaRPr lang="en-US" sz="2400" kern="1200" dirty="0"/>
+        </a:p>
+      </dsp:txBody>
+      <dsp:txXfrm>
+        <a:off x="890505" y="34942"/>
+        <a:ext cx="1760502" cy="1030649"/>
+      </dsp:txXfrm>
+    </dsp:sp>
+    <dsp:sp modelId="{BECFC45D-12F8-40D5-A04B-94CE8A5EE986}">
+      <dsp:nvSpPr>
+        <dsp:cNvPr id="0" name=""/>
+        <dsp:cNvSpPr/>
+      </dsp:nvSpPr>
+      <dsp:spPr>
+        <a:xfrm>
+          <a:off x="2843641" y="324012"/>
+          <a:ext cx="386822" cy="452508"/>
+        </a:xfrm>
+        <a:prstGeom prst="rightArrow">
+          <a:avLst>
+            <a:gd name="adj1" fmla="val 60000"/>
+            <a:gd name="adj2" fmla="val 50000"/>
+          </a:avLst>
+        </a:prstGeom>
+        <a:solidFill>
+          <a:schemeClr val="accent2">
+            <a:tint val="60000"/>
+            <a:hueOff val="0"/>
+            <a:satOff val="0"/>
+            <a:lumOff val="0"/>
+            <a:alphaOff val="0"/>
+          </a:schemeClr>
+        </a:solidFill>
+        <a:ln>
+          <a:noFill/>
+        </a:ln>
+        <a:effectLst>
+          <a:outerShdw blurRad="40000" dist="20000" dir="5400000" rotWithShape="0">
+            <a:srgbClr val="000000">
+              <a:alpha val="38000"/>
+            </a:srgbClr>
+          </a:outerShdw>
+        </a:effectLst>
+      </dsp:spPr>
+      <dsp:style>
+        <a:lnRef idx="0">
+          <a:scrgbClr r="0" g="0" b="0"/>
+        </a:lnRef>
+        <a:fillRef idx="1">
+          <a:scrgbClr r="0" g="0" b="0"/>
+        </a:fillRef>
+        <a:effectRef idx="1">
+          <a:scrgbClr r="0" g="0" b="0"/>
+        </a:effectRef>
+        <a:fontRef idx="minor">
+          <a:schemeClr val="lt1"/>
+        </a:fontRef>
+      </dsp:style>
+      <dsp:txBody>
+        <a:bodyPr spcFirstLastPara="0" vert="horz" wrap="square" lIns="0" tIns="0" rIns="0" bIns="0" numCol="1" spcCol="1270" anchor="ctr" anchorCtr="0">
+          <a:noAutofit/>
+        </a:bodyPr>
+        <a:lstStyle/>
+        <a:p>
+          <a:pPr lvl="0" algn="ctr" defTabSz="844550">
+            <a:lnSpc>
+              <a:spcPct val="90000"/>
+            </a:lnSpc>
+            <a:spcBef>
+              <a:spcPct val="0"/>
+            </a:spcBef>
+            <a:spcAft>
+              <a:spcPct val="35000"/>
+            </a:spcAft>
+          </a:pPr>
+          <a:endParaRPr lang="en-US" sz="1900" kern="1200"/>
+        </a:p>
+      </dsp:txBody>
+      <dsp:txXfrm>
+        <a:off x="2843641" y="414514"/>
+        <a:ext cx="270775" cy="271504"/>
+      </dsp:txXfrm>
+    </dsp:sp>
+    <dsp:sp modelId="{4D2C8C85-236F-45AC-995F-86C88C43465B}">
+      <dsp:nvSpPr>
+        <dsp:cNvPr id="0" name=""/>
+        <dsp:cNvSpPr/>
+      </dsp:nvSpPr>
+      <dsp:spPr>
+        <a:xfrm>
+          <a:off x="3412926" y="2877"/>
+          <a:ext cx="1824632" cy="1094779"/>
+        </a:xfrm>
+        <a:prstGeom prst="roundRect">
+          <a:avLst>
+            <a:gd name="adj" fmla="val 10000"/>
+          </a:avLst>
+        </a:prstGeom>
+        <a:solidFill>
+          <a:schemeClr val="accent2">
+            <a:hueOff val="0"/>
+            <a:satOff val="0"/>
+            <a:lumOff val="0"/>
+            <a:alphaOff val="0"/>
+          </a:schemeClr>
+        </a:solidFill>
+        <a:ln w="38100" cap="flat" cmpd="sng" algn="ctr">
+          <a:solidFill>
+            <a:schemeClr val="lt1">
+              <a:hueOff val="0"/>
+              <a:satOff val="0"/>
+              <a:lumOff val="0"/>
+              <a:alphaOff val="0"/>
+            </a:schemeClr>
+          </a:solidFill>
+          <a:prstDash val="solid"/>
+        </a:ln>
+        <a:effectLst>
+          <a:outerShdw blurRad="40000" dist="20000" dir="5400000" rotWithShape="0">
+            <a:srgbClr val="000000">
+              <a:alpha val="38000"/>
+            </a:srgbClr>
+          </a:outerShdw>
+        </a:effectLst>
+      </dsp:spPr>
+      <dsp:style>
+        <a:lnRef idx="3">
+          <a:scrgbClr r="0" g="0" b="0"/>
+        </a:lnRef>
+        <a:fillRef idx="1">
+          <a:scrgbClr r="0" g="0" b="0"/>
+        </a:fillRef>
+        <a:effectRef idx="1">
+          <a:scrgbClr r="0" g="0" b="0"/>
+        </a:effectRef>
+        <a:fontRef idx="minor">
+          <a:schemeClr val="lt1"/>
+        </a:fontRef>
+      </dsp:style>
+      <dsp:txBody>
+        <a:bodyPr spcFirstLastPara="0" vert="horz" wrap="square" lIns="76200" tIns="76200" rIns="76200" bIns="76200" numCol="1" spcCol="1270" anchor="ctr" anchorCtr="0">
+          <a:noAutofit/>
+        </a:bodyPr>
+        <a:lstStyle/>
+        <a:p>
+          <a:pPr lvl="0" algn="ctr" defTabSz="889000">
+            <a:lnSpc>
+              <a:spcPct val="90000"/>
+            </a:lnSpc>
+            <a:spcBef>
+              <a:spcPct val="0"/>
+            </a:spcBef>
+            <a:spcAft>
+              <a:spcPct val="35000"/>
+            </a:spcAft>
+          </a:pPr>
+          <a:r>
+            <a:rPr lang="en-US" sz="2000" kern="1200" dirty="0" smtClean="0"/>
+            <a:t>Write TC </a:t>
+          </a:r>
+          <a:r>
+            <a:rPr lang="en-US" sz="1600" kern="1200" dirty="0" smtClean="0"/>
+            <a:t>(based on SRS)</a:t>
+          </a:r>
+          <a:endParaRPr lang="en-US" sz="2000" kern="1200" dirty="0"/>
+        </a:p>
+      </dsp:txBody>
+      <dsp:txXfrm>
+        <a:off x="3444991" y="34942"/>
+        <a:ext cx="1760502" cy="1030649"/>
+      </dsp:txXfrm>
+    </dsp:sp>
+    <dsp:sp modelId="{40FC0476-7B7A-412F-AE38-B3715BA04471}">
+      <dsp:nvSpPr>
+        <dsp:cNvPr id="0" name=""/>
+        <dsp:cNvSpPr/>
+      </dsp:nvSpPr>
+      <dsp:spPr>
+        <a:xfrm rot="5400000">
+          <a:off x="4131831" y="1225381"/>
+          <a:ext cx="386822" cy="452508"/>
+        </a:xfrm>
+        <a:prstGeom prst="rightArrow">
+          <a:avLst>
+            <a:gd name="adj1" fmla="val 60000"/>
+            <a:gd name="adj2" fmla="val 50000"/>
+          </a:avLst>
+        </a:prstGeom>
+        <a:solidFill>
+          <a:schemeClr val="accent2">
+            <a:tint val="60000"/>
+            <a:hueOff val="0"/>
+            <a:satOff val="0"/>
+            <a:lumOff val="0"/>
+            <a:alphaOff val="0"/>
+          </a:schemeClr>
+        </a:solidFill>
+        <a:ln>
+          <a:noFill/>
+        </a:ln>
+        <a:effectLst>
+          <a:outerShdw blurRad="40000" dist="20000" dir="5400000" rotWithShape="0">
+            <a:srgbClr val="000000">
+              <a:alpha val="38000"/>
+            </a:srgbClr>
+          </a:outerShdw>
+        </a:effectLst>
+      </dsp:spPr>
+      <dsp:style>
+        <a:lnRef idx="0">
+          <a:scrgbClr r="0" g="0" b="0"/>
+        </a:lnRef>
+        <a:fillRef idx="1">
+          <a:scrgbClr r="0" g="0" b="0"/>
+        </a:fillRef>
+        <a:effectRef idx="1">
+          <a:scrgbClr r="0" g="0" b="0"/>
+        </a:effectRef>
+        <a:fontRef idx="minor">
+          <a:schemeClr val="lt1"/>
+        </a:fontRef>
+      </dsp:style>
+      <dsp:txBody>
+        <a:bodyPr spcFirstLastPara="0" vert="horz" wrap="square" lIns="0" tIns="0" rIns="0" bIns="0" numCol="1" spcCol="1270" anchor="ctr" anchorCtr="0">
+          <a:noAutofit/>
+        </a:bodyPr>
+        <a:lstStyle/>
+        <a:p>
+          <a:pPr lvl="0" algn="ctr" defTabSz="844550">
+            <a:lnSpc>
+              <a:spcPct val="90000"/>
+            </a:lnSpc>
+            <a:spcBef>
+              <a:spcPct val="0"/>
+            </a:spcBef>
+            <a:spcAft>
+              <a:spcPct val="35000"/>
+            </a:spcAft>
+          </a:pPr>
+          <a:endParaRPr lang="en-US" sz="1900" kern="1200"/>
+        </a:p>
+      </dsp:txBody>
+      <dsp:txXfrm rot="-5400000">
+        <a:off x="4189491" y="1258224"/>
+        <a:ext cx="271504" cy="270775"/>
+      </dsp:txXfrm>
+    </dsp:sp>
+    <dsp:sp modelId="{6DC1FF4B-5A22-4D24-9EFF-CF43804BE00B}">
+      <dsp:nvSpPr>
+        <dsp:cNvPr id="0" name=""/>
+        <dsp:cNvSpPr/>
+      </dsp:nvSpPr>
+      <dsp:spPr>
+        <a:xfrm>
+          <a:off x="3412926" y="1827510"/>
+          <a:ext cx="1824632" cy="1094779"/>
+        </a:xfrm>
+        <a:prstGeom prst="roundRect">
+          <a:avLst>
+            <a:gd name="adj" fmla="val 10000"/>
+          </a:avLst>
+        </a:prstGeom>
+        <a:solidFill>
+          <a:schemeClr val="accent2">
+            <a:hueOff val="0"/>
+            <a:satOff val="0"/>
+            <a:lumOff val="0"/>
+            <a:alphaOff val="0"/>
+          </a:schemeClr>
+        </a:solidFill>
+        <a:ln w="38100" cap="flat" cmpd="sng" algn="ctr">
+          <a:solidFill>
+            <a:schemeClr val="lt1">
+              <a:hueOff val="0"/>
+              <a:satOff val="0"/>
+              <a:lumOff val="0"/>
+              <a:alphaOff val="0"/>
+            </a:schemeClr>
+          </a:solidFill>
+          <a:prstDash val="solid"/>
+        </a:ln>
+        <a:effectLst>
+          <a:outerShdw blurRad="40000" dist="20000" dir="5400000" rotWithShape="0">
+            <a:srgbClr val="000000">
+              <a:alpha val="38000"/>
+            </a:srgbClr>
+          </a:outerShdw>
+        </a:effectLst>
+      </dsp:spPr>
+      <dsp:style>
+        <a:lnRef idx="3">
+          <a:scrgbClr r="0" g="0" b="0"/>
+        </a:lnRef>
+        <a:fillRef idx="1">
+          <a:scrgbClr r="0" g="0" b="0"/>
+        </a:fillRef>
+        <a:effectRef idx="1">
+          <a:scrgbClr r="0" g="0" b="0"/>
+        </a:effectRef>
+        <a:fontRef idx="minor">
+          <a:schemeClr val="lt1"/>
+        </a:fontRef>
+      </dsp:style>
+      <dsp:txBody>
+        <a:bodyPr spcFirstLastPara="0" vert="horz" wrap="square" lIns="91440" tIns="91440" rIns="91440" bIns="91440" numCol="1" spcCol="1270" anchor="ctr" anchorCtr="0">
+          <a:noAutofit/>
+        </a:bodyPr>
+        <a:lstStyle/>
+        <a:p>
+          <a:pPr lvl="0" algn="ctr" defTabSz="1066800">
+            <a:lnSpc>
+              <a:spcPct val="90000"/>
+            </a:lnSpc>
+            <a:spcBef>
+              <a:spcPct val="0"/>
+            </a:spcBef>
+            <a:spcAft>
+              <a:spcPct val="35000"/>
+            </a:spcAft>
+          </a:pPr>
+          <a:r>
+            <a:rPr lang="en-US" sz="2400" kern="1200" dirty="0" smtClean="0"/>
+            <a:t>Review TC</a:t>
+          </a:r>
+          <a:endParaRPr lang="en-US" sz="2400" kern="1200" dirty="0"/>
+        </a:p>
+      </dsp:txBody>
+      <dsp:txXfrm>
+        <a:off x="3444991" y="1859575"/>
+        <a:ext cx="1760502" cy="1030649"/>
+      </dsp:txXfrm>
+    </dsp:sp>
+    <dsp:sp modelId="{9636550B-5EE2-4AF9-9492-F5239D8A4125}">
+      <dsp:nvSpPr>
+        <dsp:cNvPr id="0" name=""/>
+        <dsp:cNvSpPr/>
+      </dsp:nvSpPr>
+      <dsp:spPr>
+        <a:xfrm rot="10800000">
+          <a:off x="2865536" y="2148645"/>
+          <a:ext cx="386822" cy="452508"/>
+        </a:xfrm>
+        <a:prstGeom prst="rightArrow">
+          <a:avLst>
+            <a:gd name="adj1" fmla="val 60000"/>
+            <a:gd name="adj2" fmla="val 50000"/>
+          </a:avLst>
+        </a:prstGeom>
+        <a:solidFill>
+          <a:schemeClr val="accent2">
+            <a:tint val="60000"/>
+            <a:hueOff val="0"/>
+            <a:satOff val="0"/>
+            <a:lumOff val="0"/>
+            <a:alphaOff val="0"/>
+          </a:schemeClr>
+        </a:solidFill>
+        <a:ln>
+          <a:noFill/>
+        </a:ln>
+        <a:effectLst>
+          <a:outerShdw blurRad="40000" dist="20000" dir="5400000" rotWithShape="0">
+            <a:srgbClr val="000000">
+              <a:alpha val="38000"/>
+            </a:srgbClr>
+          </a:outerShdw>
+        </a:effectLst>
+      </dsp:spPr>
+      <dsp:style>
+        <a:lnRef idx="0">
+          <a:scrgbClr r="0" g="0" b="0"/>
+        </a:lnRef>
+        <a:fillRef idx="1">
+          <a:scrgbClr r="0" g="0" b="0"/>
+        </a:fillRef>
+        <a:effectRef idx="1">
+          <a:scrgbClr r="0" g="0" b="0"/>
+        </a:effectRef>
+        <a:fontRef idx="minor">
+          <a:schemeClr val="lt1"/>
+        </a:fontRef>
+      </dsp:style>
+      <dsp:txBody>
+        <a:bodyPr spcFirstLastPara="0" vert="horz" wrap="square" lIns="0" tIns="0" rIns="0" bIns="0" numCol="1" spcCol="1270" anchor="ctr" anchorCtr="0">
+          <a:noAutofit/>
+        </a:bodyPr>
+        <a:lstStyle/>
+        <a:p>
+          <a:pPr lvl="0" algn="ctr" defTabSz="844550">
+            <a:lnSpc>
+              <a:spcPct val="90000"/>
+            </a:lnSpc>
+            <a:spcBef>
+              <a:spcPct val="0"/>
+            </a:spcBef>
+            <a:spcAft>
+              <a:spcPct val="35000"/>
+            </a:spcAft>
+          </a:pPr>
+          <a:endParaRPr lang="en-US" sz="1900" kern="1200"/>
+        </a:p>
+      </dsp:txBody>
+      <dsp:txXfrm rot="10800000">
+        <a:off x="2981583" y="2239147"/>
+        <a:ext cx="270775" cy="271504"/>
+      </dsp:txXfrm>
+    </dsp:sp>
+    <dsp:sp modelId="{79356E57-ACBD-4BF9-A9A3-42A48D825A59}">
+      <dsp:nvSpPr>
+        <dsp:cNvPr id="0" name=""/>
+        <dsp:cNvSpPr/>
+      </dsp:nvSpPr>
+      <dsp:spPr>
+        <a:xfrm>
+          <a:off x="858440" y="1827510"/>
+          <a:ext cx="1824632" cy="1094779"/>
+        </a:xfrm>
+        <a:prstGeom prst="roundRect">
+          <a:avLst>
+            <a:gd name="adj" fmla="val 10000"/>
+          </a:avLst>
+        </a:prstGeom>
+        <a:solidFill>
+          <a:schemeClr val="accent2">
+            <a:hueOff val="0"/>
+            <a:satOff val="0"/>
+            <a:lumOff val="0"/>
+            <a:alphaOff val="0"/>
+          </a:schemeClr>
+        </a:solidFill>
+        <a:ln w="38100" cap="flat" cmpd="sng" algn="ctr">
+          <a:solidFill>
+            <a:schemeClr val="lt1">
+              <a:hueOff val="0"/>
+              <a:satOff val="0"/>
+              <a:lumOff val="0"/>
+              <a:alphaOff val="0"/>
+            </a:schemeClr>
+          </a:solidFill>
+          <a:prstDash val="solid"/>
+        </a:ln>
+        <a:effectLst>
+          <a:outerShdw blurRad="40000" dist="20000" dir="5400000" rotWithShape="0">
+            <a:srgbClr val="000000">
+              <a:alpha val="38000"/>
+            </a:srgbClr>
+          </a:outerShdw>
+        </a:effectLst>
+      </dsp:spPr>
+      <dsp:style>
+        <a:lnRef idx="3">
+          <a:scrgbClr r="0" g="0" b="0"/>
+        </a:lnRef>
+        <a:fillRef idx="1">
+          <a:scrgbClr r="0" g="0" b="0"/>
+        </a:fillRef>
+        <a:effectRef idx="1">
+          <a:scrgbClr r="0" g="0" b="0"/>
+        </a:effectRef>
+        <a:fontRef idx="minor">
+          <a:schemeClr val="lt1"/>
+        </a:fontRef>
+      </dsp:style>
+      <dsp:txBody>
+        <a:bodyPr spcFirstLastPara="0" vert="horz" wrap="square" lIns="91440" tIns="91440" rIns="91440" bIns="91440" numCol="1" spcCol="1270" anchor="ctr" anchorCtr="0">
+          <a:noAutofit/>
+        </a:bodyPr>
+        <a:lstStyle/>
+        <a:p>
+          <a:pPr lvl="0" algn="ctr" defTabSz="1066800">
+            <a:lnSpc>
+              <a:spcPct val="90000"/>
+            </a:lnSpc>
+            <a:spcBef>
+              <a:spcPct val="0"/>
+            </a:spcBef>
+            <a:spcAft>
+              <a:spcPct val="35000"/>
+            </a:spcAft>
+          </a:pPr>
+          <a:r>
+            <a:rPr lang="en-US" sz="2400" kern="1200" dirty="0" smtClean="0"/>
+            <a:t>Create test data</a:t>
+          </a:r>
+          <a:endParaRPr lang="en-US" sz="2400" kern="1200" dirty="0"/>
+        </a:p>
+      </dsp:txBody>
+      <dsp:txXfrm>
+        <a:off x="890505" y="1859575"/>
+        <a:ext cx="1760502" cy="1030649"/>
+      </dsp:txXfrm>
+    </dsp:sp>
+    <dsp:sp modelId="{5A431EEB-B083-4850-B0BA-F5C9C2DA2E0F}">
+      <dsp:nvSpPr>
+        <dsp:cNvPr id="0" name=""/>
+        <dsp:cNvSpPr/>
+      </dsp:nvSpPr>
+      <dsp:spPr>
+        <a:xfrm rot="5400000">
+          <a:off x="1577345" y="3050014"/>
+          <a:ext cx="386822" cy="452508"/>
+        </a:xfrm>
+        <a:prstGeom prst="rightArrow">
+          <a:avLst>
+            <a:gd name="adj1" fmla="val 60000"/>
+            <a:gd name="adj2" fmla="val 50000"/>
+          </a:avLst>
+        </a:prstGeom>
+        <a:solidFill>
+          <a:schemeClr val="accent2">
+            <a:tint val="60000"/>
+            <a:hueOff val="0"/>
+            <a:satOff val="0"/>
+            <a:lumOff val="0"/>
+            <a:alphaOff val="0"/>
+          </a:schemeClr>
+        </a:solidFill>
+        <a:ln>
+          <a:noFill/>
+        </a:ln>
+        <a:effectLst>
+          <a:outerShdw blurRad="40000" dist="20000" dir="5400000" rotWithShape="0">
+            <a:srgbClr val="000000">
+              <a:alpha val="38000"/>
+            </a:srgbClr>
+          </a:outerShdw>
+        </a:effectLst>
+      </dsp:spPr>
+      <dsp:style>
+        <a:lnRef idx="0">
+          <a:scrgbClr r="0" g="0" b="0"/>
+        </a:lnRef>
+        <a:fillRef idx="1">
+          <a:scrgbClr r="0" g="0" b="0"/>
+        </a:fillRef>
+        <a:effectRef idx="1">
+          <a:scrgbClr r="0" g="0" b="0"/>
+        </a:effectRef>
+        <a:fontRef idx="minor">
+          <a:schemeClr val="lt1"/>
+        </a:fontRef>
+      </dsp:style>
+      <dsp:txBody>
+        <a:bodyPr spcFirstLastPara="0" vert="horz" wrap="square" lIns="0" tIns="0" rIns="0" bIns="0" numCol="1" spcCol="1270" anchor="ctr" anchorCtr="0">
+          <a:noAutofit/>
+        </a:bodyPr>
+        <a:lstStyle/>
+        <a:p>
+          <a:pPr lvl="0" algn="ctr" defTabSz="844550">
+            <a:lnSpc>
+              <a:spcPct val="90000"/>
+            </a:lnSpc>
+            <a:spcBef>
+              <a:spcPct val="0"/>
+            </a:spcBef>
+            <a:spcAft>
+              <a:spcPct val="35000"/>
+            </a:spcAft>
+          </a:pPr>
+          <a:endParaRPr lang="en-US" sz="1900" kern="1200"/>
+        </a:p>
+      </dsp:txBody>
+      <dsp:txXfrm rot="-5400000">
+        <a:off x="1635005" y="3082857"/>
+        <a:ext cx="271504" cy="270775"/>
+      </dsp:txXfrm>
+    </dsp:sp>
+    <dsp:sp modelId="{180049ED-7022-4118-A85C-2B8107758BF1}">
+      <dsp:nvSpPr>
+        <dsp:cNvPr id="0" name=""/>
+        <dsp:cNvSpPr/>
+      </dsp:nvSpPr>
+      <dsp:spPr>
+        <a:xfrm>
+          <a:off x="858440" y="3652142"/>
+          <a:ext cx="1824632" cy="1094779"/>
+        </a:xfrm>
+        <a:prstGeom prst="roundRect">
+          <a:avLst>
+            <a:gd name="adj" fmla="val 10000"/>
+          </a:avLst>
+        </a:prstGeom>
+        <a:solidFill>
+          <a:schemeClr val="accent2">
+            <a:hueOff val="0"/>
+            <a:satOff val="0"/>
+            <a:lumOff val="0"/>
+            <a:alphaOff val="0"/>
+          </a:schemeClr>
+        </a:solidFill>
+        <a:ln w="38100" cap="flat" cmpd="sng" algn="ctr">
+          <a:solidFill>
+            <a:schemeClr val="lt1">
+              <a:hueOff val="0"/>
+              <a:satOff val="0"/>
+              <a:lumOff val="0"/>
+              <a:alphaOff val="0"/>
+            </a:schemeClr>
+          </a:solidFill>
+          <a:prstDash val="solid"/>
+        </a:ln>
+        <a:effectLst>
+          <a:outerShdw blurRad="40000" dist="20000" dir="5400000" rotWithShape="0">
+            <a:srgbClr val="000000">
+              <a:alpha val="38000"/>
+            </a:srgbClr>
+          </a:outerShdw>
+        </a:effectLst>
+      </dsp:spPr>
+      <dsp:style>
+        <a:lnRef idx="3">
+          <a:scrgbClr r="0" g="0" b="0"/>
+        </a:lnRef>
+        <a:fillRef idx="1">
+          <a:scrgbClr r="0" g="0" b="0"/>
+        </a:fillRef>
+        <a:effectRef idx="1">
+          <a:scrgbClr r="0" g="0" b="0"/>
+        </a:effectRef>
+        <a:fontRef idx="minor">
+          <a:schemeClr val="lt1"/>
+        </a:fontRef>
+      </dsp:style>
+      <dsp:txBody>
+        <a:bodyPr spcFirstLastPara="0" vert="horz" wrap="square" lIns="152400" tIns="152400" rIns="152400" bIns="152400" numCol="1" spcCol="1270" anchor="ctr" anchorCtr="0">
+          <a:noAutofit/>
+        </a:bodyPr>
+        <a:lstStyle/>
+        <a:p>
+          <a:pPr lvl="0" algn="ctr" defTabSz="1778000">
+            <a:lnSpc>
+              <a:spcPct val="90000"/>
+            </a:lnSpc>
+            <a:spcBef>
+              <a:spcPct val="0"/>
+            </a:spcBef>
+            <a:spcAft>
+              <a:spcPct val="35000"/>
+            </a:spcAft>
+          </a:pPr>
+          <a:r>
+            <a:rPr lang="en-US" sz="4000" kern="1200" dirty="0" smtClean="0"/>
+            <a:t>IT</a:t>
+          </a:r>
+          <a:endParaRPr lang="en-US" sz="4000" kern="1200" dirty="0"/>
+        </a:p>
+      </dsp:txBody>
+      <dsp:txXfrm>
+        <a:off x="890505" y="3684207"/>
+        <a:ext cx="1760502" cy="1030649"/>
+      </dsp:txXfrm>
+    </dsp:sp>
+  </dsp:spTree>
+</dsp:drawing>
+</file>
+
+<file path=ppt/diagrams/drawing3.xml><?xml version="1.0" encoding="utf-8"?>
+<dsp:drawing xmlns:dgm="http://schemas.openxmlformats.org/drawingml/2006/diagram" xmlns:dsp="http://schemas.microsoft.com/office/drawing/2008/diagram" xmlns:a="http://schemas.openxmlformats.org/drawingml/2006/main">
+  <dsp:spTree>
+    <dsp:nvGrpSpPr>
+      <dsp:cNvPr id="0" name=""/>
+      <dsp:cNvGrpSpPr/>
+    </dsp:nvGrpSpPr>
+    <dsp:grpSpPr/>
+    <dsp:sp modelId="{471036B0-BBE4-490B-BA37-5C1F685D5E0F}">
+      <dsp:nvSpPr>
+        <dsp:cNvPr id="0" name=""/>
+        <dsp:cNvSpPr/>
+      </dsp:nvSpPr>
+      <dsp:spPr>
+        <a:xfrm>
+          <a:off x="251221" y="3076"/>
+          <a:ext cx="1553765" cy="1553765"/>
+        </a:xfrm>
+        <a:prstGeom prst="ellipse">
+          <a:avLst/>
+        </a:prstGeom>
+        <a:gradFill rotWithShape="0">
+          <a:gsLst>
+            <a:gs pos="0">
+              <a:schemeClr val="accent2">
+                <a:hueOff val="0"/>
+                <a:satOff val="0"/>
+                <a:lumOff val="0"/>
+                <a:alphaOff val="0"/>
+                <a:shade val="51000"/>
+                <a:satMod val="130000"/>
+              </a:schemeClr>
+            </a:gs>
+            <a:gs pos="80000">
+              <a:schemeClr val="accent2">
+                <a:hueOff val="0"/>
+                <a:satOff val="0"/>
+                <a:lumOff val="0"/>
+                <a:alphaOff val="0"/>
+                <a:shade val="93000"/>
+                <a:satMod val="130000"/>
+              </a:schemeClr>
+            </a:gs>
+            <a:gs pos="100000">
+              <a:schemeClr val="accent2">
+                <a:hueOff val="0"/>
+                <a:satOff val="0"/>
+                <a:lumOff val="0"/>
+                <a:alphaOff val="0"/>
+                <a:shade val="94000"/>
+                <a:satMod val="135000"/>
+              </a:schemeClr>
+            </a:gs>
+          </a:gsLst>
+          <a:lin ang="16200000" scaled="0"/>
+        </a:gradFill>
+        <a:ln>
+          <a:noFill/>
+        </a:ln>
+        <a:effectLst>
+          <a:outerShdw blurRad="40000" dist="23000" dir="5400000" rotWithShape="0">
+            <a:srgbClr val="000000">
+              <a:alpha val="35000"/>
+            </a:srgbClr>
+          </a:outerShdw>
+        </a:effectLst>
+        <a:scene3d>
+          <a:camera prst="orthographicFront"/>
+          <a:lightRig rig="threePt" dir="t">
+            <a:rot lat="0" lon="0" rev="7500000"/>
+          </a:lightRig>
+        </a:scene3d>
+        <a:sp3d prstMaterial="plastic">
+          <a:bevelT w="127000" h="25400" prst="relaxedInset"/>
+        </a:sp3d>
+      </dsp:spPr>
+      <dsp:style>
+        <a:lnRef idx="0">
+          <a:scrgbClr r="0" g="0" b="0"/>
+        </a:lnRef>
+        <a:fillRef idx="3">
+          <a:scrgbClr r="0" g="0" b="0"/>
+        </a:fillRef>
+        <a:effectRef idx="2">
+          <a:scrgbClr r="0" g="0" b="0"/>
+        </a:effectRef>
+        <a:fontRef idx="minor">
+          <a:schemeClr val="lt1"/>
+        </a:fontRef>
+      </dsp:style>
+      <dsp:txBody>
+        <a:bodyPr spcFirstLastPara="0" vert="horz" wrap="square" lIns="44450" tIns="44450" rIns="44450" bIns="44450" numCol="1" spcCol="1270" anchor="ctr" anchorCtr="0">
+          <a:noAutofit/>
+        </a:bodyPr>
+        <a:lstStyle/>
+        <a:p>
+          <a:pPr lvl="0" algn="ctr" defTabSz="1555750">
+            <a:lnSpc>
+              <a:spcPct val="90000"/>
+            </a:lnSpc>
+            <a:spcBef>
+              <a:spcPct val="0"/>
+            </a:spcBef>
+            <a:spcAft>
+              <a:spcPct val="35000"/>
+            </a:spcAft>
+          </a:pPr>
+          <a:r>
+            <a:rPr lang="en-US" sz="3500" kern="1200" dirty="0" smtClean="0"/>
+            <a:t>Test case</a:t>
+          </a:r>
+          <a:endParaRPr lang="en-US" sz="3500" kern="1200" dirty="0"/>
+        </a:p>
+      </dsp:txBody>
+      <dsp:txXfrm>
+        <a:off x="478765" y="230620"/>
+        <a:ext cx="1098677" cy="1098677"/>
+      </dsp:txXfrm>
+    </dsp:sp>
+    <dsp:sp modelId="{02E8E01F-9B89-434C-A262-C82CE10E54EB}">
+      <dsp:nvSpPr>
+        <dsp:cNvPr id="0" name=""/>
+        <dsp:cNvSpPr/>
+      </dsp:nvSpPr>
+      <dsp:spPr>
+        <a:xfrm>
+          <a:off x="577512" y="1683007"/>
+          <a:ext cx="901184" cy="901184"/>
+        </a:xfrm>
+        <a:prstGeom prst="mathPlus">
+          <a:avLst/>
+        </a:prstGeom>
+        <a:solidFill>
+          <a:schemeClr val="accent2">
+            <a:tint val="60000"/>
+            <a:hueOff val="0"/>
+            <a:satOff val="0"/>
+            <a:lumOff val="0"/>
+            <a:alphaOff val="0"/>
+          </a:schemeClr>
+        </a:solidFill>
+        <a:ln>
+          <a:noFill/>
+        </a:ln>
+        <a:effectLst>
+          <a:outerShdw blurRad="40000" dist="23000" dir="5400000" rotWithShape="0">
+            <a:srgbClr val="000000">
+              <a:alpha val="35000"/>
+            </a:srgbClr>
+          </a:outerShdw>
+        </a:effectLst>
+        <a:scene3d>
+          <a:camera prst="orthographicFront"/>
+          <a:lightRig rig="threePt" dir="t">
+            <a:rot lat="0" lon="0" rev="7500000"/>
+          </a:lightRig>
+        </a:scene3d>
+        <a:sp3d z="-70000" extrusionH="63500" prstMaterial="matte">
+          <a:bevelT w="25400" h="6350" prst="relaxedInset"/>
+          <a:contourClr>
+            <a:schemeClr val="bg1"/>
+          </a:contourClr>
+        </a:sp3d>
+      </dsp:spPr>
+      <dsp:style>
+        <a:lnRef idx="0">
+          <a:scrgbClr r="0" g="0" b="0"/>
+        </a:lnRef>
+        <a:fillRef idx="1">
+          <a:scrgbClr r="0" g="0" b="0"/>
+        </a:fillRef>
+        <a:effectRef idx="2">
+          <a:scrgbClr r="0" g="0" b="0"/>
+        </a:effectRef>
+        <a:fontRef idx="minor">
+          <a:schemeClr val="lt1"/>
+        </a:fontRef>
+      </dsp:style>
+      <dsp:txBody>
+        <a:bodyPr spcFirstLastPara="0" vert="horz" wrap="square" lIns="0" tIns="0" rIns="0" bIns="0" numCol="1" spcCol="1270" anchor="ctr" anchorCtr="0">
+          <a:noAutofit/>
+        </a:bodyPr>
+        <a:lstStyle/>
+        <a:p>
+          <a:pPr lvl="0" algn="ctr" defTabSz="666750">
+            <a:lnSpc>
+              <a:spcPct val="90000"/>
+            </a:lnSpc>
+            <a:spcBef>
+              <a:spcPct val="0"/>
+            </a:spcBef>
+            <a:spcAft>
+              <a:spcPct val="35000"/>
+            </a:spcAft>
+          </a:pPr>
+          <a:endParaRPr lang="en-US" sz="1500" kern="1200"/>
+        </a:p>
+      </dsp:txBody>
+      <dsp:txXfrm>
+        <a:off x="696964" y="2027620"/>
+        <a:ext cx="662280" cy="211958"/>
+      </dsp:txXfrm>
+    </dsp:sp>
+    <dsp:sp modelId="{A973A65D-B79E-4895-80DB-F28072714831}">
+      <dsp:nvSpPr>
+        <dsp:cNvPr id="0" name=""/>
+        <dsp:cNvSpPr/>
+      </dsp:nvSpPr>
+      <dsp:spPr>
+        <a:xfrm>
+          <a:off x="251221" y="2710357"/>
+          <a:ext cx="1553765" cy="1553765"/>
+        </a:xfrm>
+        <a:prstGeom prst="ellipse">
+          <a:avLst/>
+        </a:prstGeom>
+        <a:gradFill rotWithShape="0">
+          <a:gsLst>
+            <a:gs pos="0">
+              <a:schemeClr val="accent2">
+                <a:hueOff val="0"/>
+                <a:satOff val="0"/>
+                <a:lumOff val="0"/>
+                <a:alphaOff val="0"/>
+                <a:shade val="51000"/>
+                <a:satMod val="130000"/>
+              </a:schemeClr>
+            </a:gs>
+            <a:gs pos="80000">
+              <a:schemeClr val="accent2">
+                <a:hueOff val="0"/>
+                <a:satOff val="0"/>
+                <a:lumOff val="0"/>
+                <a:alphaOff val="0"/>
+                <a:shade val="93000"/>
+                <a:satMod val="130000"/>
+              </a:schemeClr>
+            </a:gs>
+            <a:gs pos="100000">
+              <a:schemeClr val="accent2">
+                <a:hueOff val="0"/>
+                <a:satOff val="0"/>
+                <a:lumOff val="0"/>
+                <a:alphaOff val="0"/>
+                <a:shade val="94000"/>
+                <a:satMod val="135000"/>
+              </a:schemeClr>
+            </a:gs>
+          </a:gsLst>
+          <a:lin ang="16200000" scaled="0"/>
+        </a:gradFill>
+        <a:ln>
+          <a:noFill/>
+        </a:ln>
+        <a:effectLst>
+          <a:outerShdw blurRad="40000" dist="23000" dir="5400000" rotWithShape="0">
+            <a:srgbClr val="000000">
+              <a:alpha val="35000"/>
+            </a:srgbClr>
+          </a:outerShdw>
+        </a:effectLst>
+        <a:scene3d>
+          <a:camera prst="orthographicFront"/>
+          <a:lightRig rig="threePt" dir="t">
+            <a:rot lat="0" lon="0" rev="7500000"/>
+          </a:lightRig>
+        </a:scene3d>
+        <a:sp3d prstMaterial="plastic">
+          <a:bevelT w="127000" h="25400" prst="relaxedInset"/>
+        </a:sp3d>
+      </dsp:spPr>
+      <dsp:style>
+        <a:lnRef idx="0">
+          <a:scrgbClr r="0" g="0" b="0"/>
+        </a:lnRef>
+        <a:fillRef idx="3">
+          <a:scrgbClr r="0" g="0" b="0"/>
+        </a:fillRef>
+        <a:effectRef idx="2">
+          <a:scrgbClr r="0" g="0" b="0"/>
+        </a:effectRef>
+        <a:fontRef idx="minor">
+          <a:schemeClr val="lt1"/>
+        </a:fontRef>
+      </dsp:style>
+      <dsp:txBody>
+        <a:bodyPr spcFirstLastPara="0" vert="horz" wrap="square" lIns="44450" tIns="44450" rIns="44450" bIns="44450" numCol="1" spcCol="1270" anchor="ctr" anchorCtr="0">
+          <a:noAutofit/>
+        </a:bodyPr>
+        <a:lstStyle/>
+        <a:p>
+          <a:pPr lvl="0" algn="ctr" defTabSz="1555750">
+            <a:lnSpc>
+              <a:spcPct val="90000"/>
+            </a:lnSpc>
+            <a:spcBef>
+              <a:spcPct val="0"/>
+            </a:spcBef>
+            <a:spcAft>
+              <a:spcPct val="35000"/>
+            </a:spcAft>
+          </a:pPr>
+          <a:r>
+            <a:rPr lang="en-US" sz="3500" kern="1200" dirty="0" smtClean="0"/>
+            <a:t>Test data</a:t>
+          </a:r>
+          <a:endParaRPr lang="en-US" sz="3500" kern="1200" dirty="0"/>
+        </a:p>
+      </dsp:txBody>
+      <dsp:txXfrm>
+        <a:off x="478765" y="2937901"/>
+        <a:ext cx="1098677" cy="1098677"/>
+      </dsp:txXfrm>
+    </dsp:sp>
+    <dsp:sp modelId="{93F51D8E-F515-46FB-A4EA-10D2475DBDE0}">
+      <dsp:nvSpPr>
+        <dsp:cNvPr id="0" name=""/>
+        <dsp:cNvSpPr/>
+      </dsp:nvSpPr>
+      <dsp:spPr>
+        <a:xfrm>
+          <a:off x="2038052" y="1844599"/>
+          <a:ext cx="494097" cy="578000"/>
+        </a:xfrm>
+        <a:prstGeom prst="rightArrow">
+          <a:avLst>
+            <a:gd name="adj1" fmla="val 60000"/>
+            <a:gd name="adj2" fmla="val 50000"/>
+          </a:avLst>
+        </a:prstGeom>
+        <a:solidFill>
+          <a:schemeClr val="accent2">
+            <a:tint val="60000"/>
+            <a:hueOff val="0"/>
+            <a:satOff val="0"/>
+            <a:lumOff val="0"/>
+            <a:alphaOff val="0"/>
+          </a:schemeClr>
+        </a:solidFill>
+        <a:ln>
+          <a:noFill/>
+        </a:ln>
+        <a:effectLst>
+          <a:outerShdw blurRad="40000" dist="23000" dir="5400000" rotWithShape="0">
+            <a:srgbClr val="000000">
+              <a:alpha val="35000"/>
+            </a:srgbClr>
+          </a:outerShdw>
+        </a:effectLst>
+        <a:scene3d>
+          <a:camera prst="orthographicFront"/>
+          <a:lightRig rig="threePt" dir="t">
+            <a:rot lat="0" lon="0" rev="7500000"/>
+          </a:lightRig>
+        </a:scene3d>
+        <a:sp3d z="-70000" extrusionH="63500" prstMaterial="matte">
+          <a:bevelT w="25400" h="6350" prst="relaxedInset"/>
+          <a:contourClr>
+            <a:schemeClr val="bg1"/>
+          </a:contourClr>
+        </a:sp3d>
+      </dsp:spPr>
+      <dsp:style>
+        <a:lnRef idx="0">
+          <a:scrgbClr r="0" g="0" b="0"/>
+        </a:lnRef>
+        <a:fillRef idx="1">
+          <a:scrgbClr r="0" g="0" b="0"/>
+        </a:fillRef>
+        <a:effectRef idx="2">
+          <a:scrgbClr r="0" g="0" b="0"/>
+        </a:effectRef>
+        <a:fontRef idx="minor">
+          <a:schemeClr val="lt1"/>
+        </a:fontRef>
+      </dsp:style>
+      <dsp:txBody>
+        <a:bodyPr spcFirstLastPara="0" vert="horz" wrap="square" lIns="0" tIns="0" rIns="0" bIns="0" numCol="1" spcCol="1270" anchor="ctr" anchorCtr="0">
+          <a:noAutofit/>
+        </a:bodyPr>
+        <a:lstStyle/>
+        <a:p>
+          <a:pPr lvl="0" algn="ctr" defTabSz="1066800">
+            <a:lnSpc>
+              <a:spcPct val="90000"/>
+            </a:lnSpc>
+            <a:spcBef>
+              <a:spcPct val="0"/>
+            </a:spcBef>
+            <a:spcAft>
+              <a:spcPct val="35000"/>
+            </a:spcAft>
+          </a:pPr>
+          <a:endParaRPr lang="en-US" sz="2400" kern="1200"/>
+        </a:p>
+      </dsp:txBody>
+      <dsp:txXfrm>
+        <a:off x="2038052" y="1960199"/>
+        <a:ext cx="345868" cy="346800"/>
+      </dsp:txXfrm>
+    </dsp:sp>
+    <dsp:sp modelId="{1CD94E81-4DBE-4137-BB79-235111C78090}">
+      <dsp:nvSpPr>
+        <dsp:cNvPr id="0" name=""/>
+        <dsp:cNvSpPr/>
+      </dsp:nvSpPr>
+      <dsp:spPr>
+        <a:xfrm>
+          <a:off x="2737246" y="579834"/>
+          <a:ext cx="3107531" cy="3107531"/>
+        </a:xfrm>
+        <a:prstGeom prst="ellipse">
+          <a:avLst/>
+        </a:prstGeom>
+        <a:gradFill rotWithShape="0">
+          <a:gsLst>
+            <a:gs pos="0">
+              <a:schemeClr val="accent2">
+                <a:hueOff val="0"/>
+                <a:satOff val="0"/>
+                <a:lumOff val="0"/>
+                <a:alphaOff val="0"/>
+                <a:shade val="51000"/>
+                <a:satMod val="130000"/>
+              </a:schemeClr>
+            </a:gs>
+            <a:gs pos="80000">
+              <a:schemeClr val="accent2">
+                <a:hueOff val="0"/>
+                <a:satOff val="0"/>
+                <a:lumOff val="0"/>
+                <a:alphaOff val="0"/>
+                <a:shade val="93000"/>
+                <a:satMod val="130000"/>
+              </a:schemeClr>
+            </a:gs>
+            <a:gs pos="100000">
+              <a:schemeClr val="accent2">
+                <a:hueOff val="0"/>
+                <a:satOff val="0"/>
+                <a:lumOff val="0"/>
+                <a:alphaOff val="0"/>
+                <a:shade val="94000"/>
+                <a:satMod val="135000"/>
+              </a:schemeClr>
+            </a:gs>
+          </a:gsLst>
+          <a:lin ang="16200000" scaled="0"/>
+        </a:gradFill>
+        <a:ln>
+          <a:noFill/>
+        </a:ln>
+        <a:effectLst>
+          <a:outerShdw blurRad="40000" dist="23000" dir="5400000" rotWithShape="0">
+            <a:srgbClr val="000000">
+              <a:alpha val="35000"/>
+            </a:srgbClr>
+          </a:outerShdw>
+        </a:effectLst>
+        <a:scene3d>
+          <a:camera prst="orthographicFront"/>
+          <a:lightRig rig="threePt" dir="t">
+            <a:rot lat="0" lon="0" rev="7500000"/>
+          </a:lightRig>
+        </a:scene3d>
+        <a:sp3d prstMaterial="plastic">
+          <a:bevelT w="127000" h="25400" prst="relaxedInset"/>
+        </a:sp3d>
+      </dsp:spPr>
+      <dsp:style>
+        <a:lnRef idx="0">
+          <a:scrgbClr r="0" g="0" b="0"/>
+        </a:lnRef>
+        <a:fillRef idx="3">
+          <a:scrgbClr r="0" g="0" b="0"/>
+        </a:fillRef>
+        <a:effectRef idx="2">
+          <a:scrgbClr r="0" g="0" b="0"/>
+        </a:effectRef>
+        <a:fontRef idx="minor">
+          <a:schemeClr val="lt1"/>
+        </a:fontRef>
+      </dsp:style>
+      <dsp:txBody>
+        <a:bodyPr spcFirstLastPara="0" vert="horz" wrap="square" lIns="36830" tIns="36830" rIns="36830" bIns="36830" numCol="1" spcCol="1270" anchor="ctr" anchorCtr="0">
+          <a:noAutofit/>
+        </a:bodyPr>
+        <a:lstStyle/>
+        <a:p>
+          <a:pPr lvl="0" algn="ctr" defTabSz="1289050">
+            <a:lnSpc>
+              <a:spcPct val="90000"/>
+            </a:lnSpc>
+            <a:spcBef>
+              <a:spcPct val="0"/>
+            </a:spcBef>
+            <a:spcAft>
+              <a:spcPct val="35000"/>
+            </a:spcAft>
+          </a:pPr>
+          <a:r>
+            <a:rPr lang="en-US" sz="2900" kern="1200" dirty="0" smtClean="0"/>
+            <a:t>Integration test</a:t>
+          </a:r>
+          <a:endParaRPr lang="en-US" sz="2900" kern="1200" dirty="0"/>
+        </a:p>
+      </dsp:txBody>
+      <dsp:txXfrm>
+        <a:off x="3192333" y="1034921"/>
+        <a:ext cx="2197357" cy="2197357"/>
+      </dsp:txXfrm>
+    </dsp:sp>
+  </dsp:spTree>
+</dsp:drawing>
 </file>
 
 <file path=ppt/diagrams/layout1.xml><?xml version="1.0" encoding="utf-8"?>
@@ -6365,7 +8478,7 @@
         <a:rot lat="0" lon="0" rev="7500000"/>
       </a:lightRig>
     </dgm:scene3d>
-    <dgm:sp3d z="-152400" extrusionH="63500" contourW="127000" prstMaterial="matte">
+    <dgm:sp3d z="-152400" extrusionH="63500" contourW="12700" prstMaterial="matte">
       <a:contourClr>
         <a:schemeClr val="lt1"/>
       </a:contourClr>
@@ -7430,7 +9543,7 @@
           <a:p>
             <a:fld id="{087756E1-8D9C-48FF-B507-A712D5C396E9}" type="datetimeFigureOut">
               <a:rPr lang="en-US" smtClean="0"/>
-              <a:t>21-Apr-11</a:t>
+              <a:t>4/22/2011</a:t>
             </a:fld>
             <a:endParaRPr lang="en-US"/>
           </a:p>
@@ -7598,6 +9711,11 @@
         </p:txBody>
       </p:sp>
     </p:spTree>
+    <p:extLst>
+      <p:ext uri="{BB962C8B-B14F-4D97-AF65-F5344CB8AC3E}">
+        <p14:creationId xmlns:p14="http://schemas.microsoft.com/office/powerpoint/2010/main" val="1624267526"/>
+      </p:ext>
+    </p:extLst>
   </p:cSld>
   <p:clrMap bg1="lt1" tx1="dk1" bg2="lt2" tx2="dk2" accent1="accent1" accent2="accent2" accent3="accent3" accent4="accent4" accent5="accent5" accent6="accent6" hlink="hlink" folHlink="folHlink"/>
   <p:notesStyle>
@@ -11549,9 +13667,82 @@
         </p:xfrm>
         <a:graphic>
           <a:graphicData uri="http://schemas.openxmlformats.org/presentationml/2006/ole">
-            <p:oleObj spid="_x0000_s1052" name="Image" r:id="rId15" imgW="5320635" imgH="5168254" progId="">
-              <p:embed/>
-            </p:oleObj>
+            <mc:AlternateContent xmlns:mc="http://schemas.openxmlformats.org/markup-compatibility/2006">
+              <mc:Choice xmlns:v="urn:schemas-microsoft-com:vml" Requires="v">
+                <p:oleObj spid="_x0000_s1054" name="Image" r:id="rId15" imgW="5320635" imgH="5168254" progId="">
+                  <p:embed/>
+                </p:oleObj>
+              </mc:Choice>
+              <mc:Fallback>
+                <p:oleObj name="Image" r:id="rId15" imgW="5320635" imgH="5168254" progId="">
+                  <p:embed/>
+                  <p:pic>
+                    <p:nvPicPr>
+                      <p:cNvPr id="0" name="Picture 28"/>
+                      <p:cNvPicPr>
+                        <a:picLocks noChangeAspect="1" noChangeArrowheads="1"/>
+                      </p:cNvPicPr>
+                      <p:nvPr/>
+                    </p:nvPicPr>
+                    <p:blipFill>
+                      <a:blip r:embed="rId16">
+                        <a:extLst>
+                          <a:ext uri="{28A0092B-C50C-407E-A947-70E740481C1C}">
+                            <a14:useLocalDpi xmlns:a14="http://schemas.microsoft.com/office/drawing/2010/main" val="0"/>
+                          </a:ext>
+                        </a:extLst>
+                      </a:blip>
+                      <a:srcRect l="22345" t="23158"/>
+                      <a:stretch>
+                        <a:fillRect/>
+                      </a:stretch>
+                    </p:blipFill>
+                    <p:spPr bwMode="ltGray">
+                      <a:xfrm>
+                        <a:off x="0" y="11113"/>
+                        <a:ext cx="3910013" cy="3757612"/>
+                      </a:xfrm>
+                      <a:prstGeom prst="rect">
+                        <a:avLst/>
+                      </a:prstGeom>
+                      <a:noFill/>
+                      <a:ln>
+                        <a:noFill/>
+                      </a:ln>
+                      <a:effectLst/>
+                      <a:extLst>
+                        <a:ext uri="{909E8E84-426E-40DD-AFC4-6F175D3DCCD1}">
+                          <a14:hiddenFill xmlns:a14="http://schemas.microsoft.com/office/drawing/2010/main">
+                            <a:solidFill>
+                              <a:srgbClr val="7DB038"/>
+                            </a:solidFill>
+                          </a14:hiddenFill>
+                        </a:ext>
+                        <a:ext uri="{91240B29-F687-4F45-9708-019B960494DF}">
+                          <a14:hiddenLine xmlns:a14="http://schemas.microsoft.com/office/drawing/2010/main" w="9525">
+                            <a:solidFill>
+                              <a:srgbClr val="000066"/>
+                            </a:solidFill>
+                            <a:miter lim="800000"/>
+                            <a:headEnd/>
+                            <a:tailEnd/>
+                          </a14:hiddenLine>
+                        </a:ext>
+                        <a:ext uri="{AF507438-7753-43E0-B8FC-AC1667EBCBE1}">
+                          <a14:hiddenEffects xmlns:a14="http://schemas.microsoft.com/office/drawing/2010/main">
+                            <a:effectLst>
+                              <a:outerShdw dist="35921" dir="2700000" algn="ctr" rotWithShape="0">
+                                <a:srgbClr val="C0C0C0"/>
+                              </a:outerShdw>
+                            </a:effectLst>
+                          </a14:hiddenEffects>
+                        </a:ext>
+                      </a:extLst>
+                    </p:spPr>
+                  </p:pic>
+                </p:oleObj>
+              </mc:Fallback>
+            </mc:AlternateContent>
           </a:graphicData>
         </a:graphic>
       </p:graphicFrame>
@@ -14376,6 +16567,13 @@
   <p:clrMapOvr>
     <a:masterClrMapping/>
   </p:clrMapOvr>
+  <p:timing>
+    <p:tnLst>
+      <p:par>
+        <p:cTn id="1" dur="indefinite" restart="never" nodeType="tmRoot"/>
+      </p:par>
+    </p:tnLst>
+  </p:timing>
 </p:sld>
 </file>
 
@@ -24170,7 +26368,13 @@
             <a:p>
               <a:pPr algn="r"/>
               <a:r>
-                <a:rPr lang="en-US" sz="2400" smtClean="0"/>
+                <a:rPr lang="en-US" sz="2400" smtClean="0">
+                  <a:solidFill>
+                    <a:schemeClr val="tx2">
+                      <a:lumMod val="50000"/>
+                    </a:schemeClr>
+                  </a:solidFill>
+                </a:rPr>
                 <a:t>Result</a:t>
               </a:r>
             </a:p>
@@ -24242,7 +26446,13 @@
               <a:p>
                 <a:pPr algn="r"/>
                 <a:r>
-                  <a:rPr lang="en-US" sz="2400" smtClean="0"/>
+                  <a:rPr lang="en-US" sz="2400" smtClean="0">
+                    <a:solidFill>
+                      <a:schemeClr val="tx2">
+                        <a:lumMod val="50000"/>
+                      </a:schemeClr>
+                    </a:solidFill>
+                  </a:rPr>
                   <a:t>Quality Assurance</a:t>
                 </a:r>
               </a:p>
@@ -24300,7 +26510,13 @@
               <a:p>
                 <a:pPr algn="r"/>
                 <a:r>
-                  <a:rPr lang="en-US" sz="2400" smtClean="0"/>
+                  <a:rPr lang="en-US" sz="2400" smtClean="0">
+                    <a:solidFill>
+                      <a:schemeClr val="tx2">
+                        <a:lumMod val="50000"/>
+                      </a:schemeClr>
+                    </a:solidFill>
+                  </a:rPr>
                   <a:t>Project management</a:t>
                 </a:r>
               </a:p>
@@ -24314,7 +26530,13 @@
           <p:cNvGraphicFramePr>
             <a:graphicFrameLocks noGrp="1"/>
           </p:cNvGraphicFramePr>
-          <p:nvPr/>
+          <p:nvPr>
+            <p:extLst>
+              <p:ext uri="{D42A27DB-BD31-4B8C-83A1-F6EECF244321}">
+                <p14:modId xmlns:p14="http://schemas.microsoft.com/office/powerpoint/2010/main" val="3602805013"/>
+              </p:ext>
+            </p:extLst>
+          </p:nvPr>
         </p:nvGraphicFramePr>
         <p:xfrm>
           <a:off x="2133600" y="1600200"/>
@@ -24447,24 +26669,33 @@
                     <a:lstStyle/>
                     <a:p>
                       <a:r>
-                        <a:rPr lang="en-US" sz="1200" b="1" smtClean="0"/>
-                        <a:t>Developer</a:t>
+                        <a:rPr lang="en-US" sz="1200" b="1" dirty="0" smtClean="0"/>
+                        <a:t>Developer, designer</a:t>
                       </a:r>
+                      <a:endParaRPr lang="en-US" sz="1200" b="1" dirty="0" smtClean="0"/>
                     </a:p>
                     <a:p>
                       <a:r>
-                        <a:rPr lang="en-US" sz="1600" smtClean="0"/>
+                        <a:rPr lang="en-US" sz="1600" dirty="0" err="1" smtClean="0"/>
                         <a:t>Phan</a:t>
                       </a:r>
                       <a:r>
-                        <a:rPr lang="en-US" sz="1600" baseline="0" smtClean="0"/>
-                        <a:t> Le Quang </a:t>
+                        <a:rPr lang="en-US" sz="1600" baseline="0" dirty="0" smtClean="0"/>
+                        <a:t> Le </a:t>
                       </a:r>
                       <a:r>
-                        <a:rPr lang="en-US" sz="1600" baseline="0" err="1" smtClean="0"/>
+                        <a:rPr lang="en-US" sz="1600" baseline="0" dirty="0" err="1" smtClean="0"/>
+                        <a:t>Quang</a:t>
+                      </a:r>
+                      <a:r>
+                        <a:rPr lang="en-US" sz="1600" baseline="0" dirty="0" smtClean="0"/>
+                        <a:t> </a:t>
+                      </a:r>
+                      <a:r>
+                        <a:rPr lang="en-US" sz="1600" baseline="0" dirty="0" err="1" smtClean="0"/>
                         <a:t>Chinh</a:t>
                       </a:r>
-                      <a:endParaRPr lang="en-US" sz="1400" b="0"/>
+                      <a:endParaRPr lang="en-US" sz="1400" b="0" dirty="0"/>
                     </a:p>
                   </a:txBody>
                   <a:tcPr/>
@@ -24549,8 +26780,9 @@
                     <a:p>
                       <a:r>
                         <a:rPr lang="en-US" sz="1200" b="1" dirty="0" smtClean="0"/>
-                        <a:t>Developer</a:t>
+                        <a:t>Developer, designer</a:t>
                       </a:r>
+                      <a:endParaRPr lang="en-US" sz="1200" b="1" dirty="0" smtClean="0"/>
                     </a:p>
                     <a:p>
                       <a:r>
@@ -24956,6 +27188,13 @@
   <p:clrMapOvr>
     <a:masterClrMapping/>
   </p:clrMapOvr>
+  <p:timing>
+    <p:tnLst>
+      <p:par>
+        <p:cTn id="1" dur="indefinite" restart="never" nodeType="tmRoot"/>
+      </p:par>
+    </p:tnLst>
+  </p:timing>
 </p:sld>
 </file>
 
@@ -25091,22 +27330,6 @@
               </a:rPr>
               <a:t>Time table</a:t>
             </a:r>
-            <a:endParaRPr kumimoji="0" lang="en-US" sz="2800" b="1" i="0" u="none" strike="noStrike" kern="0" cap="none" spc="0" normalizeH="0" noProof="0" dirty="0" smtClean="0">
-              <a:ln>
-                <a:noFill/>
-              </a:ln>
-              <a:solidFill>
-                <a:schemeClr val="accent2">
-                  <a:lumMod val="75000"/>
-                </a:schemeClr>
-              </a:solidFill>
-              <a:effectLst/>
-              <a:uLnTx/>
-              <a:uFillTx/>
-              <a:latin typeface="+mn-lt"/>
-              <a:ea typeface="+mn-ea"/>
-              <a:cs typeface="+mn-cs"/>
-            </a:endParaRPr>
           </a:p>
         </p:txBody>
       </p:sp>
@@ -27173,7 +29396,6 @@
                 <a:rPr lang="en-US" dirty="0" smtClean="0"/>
                 <a:t>Review</a:t>
               </a:r>
-              <a:endParaRPr lang="en-US" dirty="0" smtClean="0"/>
             </a:p>
           </p:txBody>
         </p:sp>
@@ -27283,11 +29505,7 @@
               <a:pPr algn="r"/>
               <a:r>
                 <a:rPr lang="en-US" dirty="0" smtClean="0"/>
-                <a:t>Project </a:t>
-              </a:r>
-              <a:r>
-                <a:rPr lang="en-US" dirty="0" smtClean="0"/>
-                <a:t>management</a:t>
+                <a:t>Project management</a:t>
               </a:r>
               <a:endParaRPr lang="en-US" sz="2000" dirty="0" smtClean="0"/>
             </a:p>
@@ -28023,6 +30241,13 @@
   <p:clrMapOvr>
     <a:masterClrMapping/>
   </p:clrMapOvr>
+  <p:timing>
+    <p:tnLst>
+      <p:par>
+        <p:cTn id="1" dur="indefinite" restart="never" nodeType="tmRoot"/>
+      </p:par>
+    </p:tnLst>
+  </p:timing>
 </p:sld>
 </file>
 
@@ -28083,11 +30308,7 @@
           <a:p>
             <a:r>
               <a:rPr lang="en-US" dirty="0" smtClean="0"/>
-              <a:t>FPT </a:t>
-            </a:r>
-            <a:r>
-              <a:rPr lang="en-US" dirty="0" smtClean="0"/>
-              <a:t>University</a:t>
+              <a:t>FPT University</a:t>
             </a:r>
             <a:endParaRPr lang="en-US" dirty="0"/>
           </a:p>
@@ -30124,6 +32345,13 @@
   <p:clrMapOvr>
     <a:masterClrMapping/>
   </p:clrMapOvr>
+  <p:timing>
+    <p:tnLst>
+      <p:par>
+        <p:cTn id="1" dur="indefinite" restart="never" nodeType="tmRoot"/>
+      </p:par>
+    </p:tnLst>
+  </p:timing>
 </p:sld>
 </file>
 
@@ -30447,7 +32675,29 @@
                 </a:solidFill>
                 <a:latin typeface="+mn-lt"/>
               </a:rPr>
-              <a:t>Working process</a:t>
+              <a:t>Working </a:t>
+            </a:r>
+            <a:r>
+              <a:rPr lang="en-US" sz="2800" b="1" kern="0" dirty="0" smtClean="0">
+                <a:solidFill>
+                  <a:schemeClr val="accent2">
+                    <a:lumMod val="75000"/>
+                  </a:schemeClr>
+                </a:solidFill>
+                <a:latin typeface="+mn-lt"/>
+              </a:rPr>
+              <a:t>process – </a:t>
+            </a:r>
+            <a:r>
+              <a:rPr lang="en-US" sz="2000" b="1" kern="0" dirty="0" smtClean="0">
+                <a:solidFill>
+                  <a:schemeClr val="accent2">
+                    <a:lumMod val="75000"/>
+                  </a:schemeClr>
+                </a:solidFill>
+                <a:latin typeface="+mn-lt"/>
+              </a:rPr>
+              <a:t>Bug management</a:t>
             </a:r>
             <a:endParaRPr kumimoji="0" lang="en-US" sz="2800" b="1" i="0" u="none" strike="noStrike" kern="0" cap="none" spc="0" normalizeH="0" baseline="0" noProof="0" dirty="0">
               <a:ln>
@@ -32238,6 +34488,13 @@
   <p:clrMapOvr>
     <a:masterClrMapping/>
   </p:clrMapOvr>
+  <p:timing>
+    <p:tnLst>
+      <p:par>
+        <p:cTn id="1" dur="indefinite" restart="never" nodeType="tmRoot"/>
+      </p:par>
+    </p:tnLst>
+  </p:timing>
 </p:sld>
 </file>
 
@@ -32561,23 +34818,37 @@
                 </a:solidFill>
                 <a:latin typeface="+mn-lt"/>
               </a:rPr>
-              <a:t>Working process</a:t>
+              <a:t>Working </a:t>
             </a:r>
-            <a:endParaRPr kumimoji="0" lang="en-US" sz="2800" b="1" i="0" u="none" strike="noStrike" kern="0" cap="none" spc="0" normalizeH="0" baseline="0" noProof="0" dirty="0">
-              <a:ln>
-                <a:noFill/>
-              </a:ln>
+            <a:r>
+              <a:rPr lang="en-US" sz="2800" b="1" kern="0" dirty="0" smtClean="0">
+                <a:solidFill>
+                  <a:schemeClr val="accent2">
+                    <a:lumMod val="75000"/>
+                  </a:schemeClr>
+                </a:solidFill>
+                <a:latin typeface="+mn-lt"/>
+              </a:rPr>
+              <a:t>process – </a:t>
+            </a:r>
+            <a:r>
+              <a:rPr lang="en-US" b="1" kern="0" dirty="0" smtClean="0">
+                <a:solidFill>
+                  <a:schemeClr val="accent2">
+                    <a:lumMod val="75000"/>
+                  </a:schemeClr>
+                </a:solidFill>
+                <a:latin typeface="+mn-lt"/>
+              </a:rPr>
+              <a:t>Issue management</a:t>
+            </a:r>
+            <a:endParaRPr lang="en-US" sz="2800" b="1" kern="0" dirty="0" smtClean="0">
               <a:solidFill>
                 <a:schemeClr val="accent2">
                   <a:lumMod val="75000"/>
                 </a:schemeClr>
               </a:solidFill>
-              <a:effectLst/>
-              <a:uLnTx/>
-              <a:uFillTx/>
               <a:latin typeface="+mn-lt"/>
-              <a:ea typeface="+mn-ea"/>
-              <a:cs typeface="+mn-cs"/>
             </a:endParaRPr>
           </a:p>
         </p:txBody>
@@ -34352,6 +36623,13 @@
   <p:clrMapOvr>
     <a:masterClrMapping/>
   </p:clrMapOvr>
+  <p:timing>
+    <p:tnLst>
+      <p:par>
+        <p:cTn id="1" dur="indefinite" restart="never" nodeType="tmRoot"/>
+      </p:par>
+    </p:tnLst>
+  </p:timing>
 </p:sld>
 </file>
 
@@ -36810,6 +39088,13 @@
   <p:clrMapOvr>
     <a:masterClrMapping/>
   </p:clrMapOvr>
+  <p:timing>
+    <p:tnLst>
+      <p:par>
+        <p:cTn id="1" dur="indefinite" restart="never" nodeType="tmRoot"/>
+      </p:par>
+    </p:tnLst>
+  </p:timing>
 </p:sld>
 </file>
 
@@ -38945,6 +41230,13 @@
   <p:clrMapOvr>
     <a:masterClrMapping/>
   </p:clrMapOvr>
+  <p:timing>
+    <p:tnLst>
+      <p:par>
+        <p:cTn id="1" dur="indefinite" restart="never" nodeType="tmRoot"/>
+      </p:par>
+    </p:tnLst>
+  </p:timing>
 </p:sld>
 </file>
 
